--- a/図作成用パワーポイント/owallmono.pptx
+++ b/図作成用パワーポイント/owallmono.pptx
@@ -243,7 +243,7 @@
           <a:p>
             <a:fld id="{C1075DFE-FF37-458C-BA31-8FFE9FD73297}" type="datetimeFigureOut">
               <a:rPr kumimoji="1" lang="ja-JP" altLang="en-US" smtClean="0"/>
-              <a:t>2019/5/9</a:t>
+              <a:t>2020/2/18</a:t>
             </a:fld>
             <a:endParaRPr kumimoji="1" lang="ja-JP" altLang="en-US"/>
           </a:p>
@@ -445,7 +445,7 @@
           <a:p>
             <a:fld id="{C1075DFE-FF37-458C-BA31-8FFE9FD73297}" type="datetimeFigureOut">
               <a:rPr kumimoji="1" lang="ja-JP" altLang="en-US" smtClean="0"/>
-              <a:t>2019/5/9</a:t>
+              <a:t>2020/2/18</a:t>
             </a:fld>
             <a:endParaRPr kumimoji="1" lang="ja-JP" altLang="en-US"/>
           </a:p>
@@ -657,7 +657,7 @@
           <a:p>
             <a:fld id="{C1075DFE-FF37-458C-BA31-8FFE9FD73297}" type="datetimeFigureOut">
               <a:rPr kumimoji="1" lang="ja-JP" altLang="en-US" smtClean="0"/>
-              <a:t>2019/5/9</a:t>
+              <a:t>2020/2/18</a:t>
             </a:fld>
             <a:endParaRPr kumimoji="1" lang="ja-JP" altLang="en-US"/>
           </a:p>
@@ -859,7 +859,7 @@
           <a:p>
             <a:fld id="{C1075DFE-FF37-458C-BA31-8FFE9FD73297}" type="datetimeFigureOut">
               <a:rPr kumimoji="1" lang="ja-JP" altLang="en-US" smtClean="0"/>
-              <a:t>2019/5/9</a:t>
+              <a:t>2020/2/18</a:t>
             </a:fld>
             <a:endParaRPr kumimoji="1" lang="ja-JP" altLang="en-US"/>
           </a:p>
@@ -1105,7 +1105,7 @@
           <a:p>
             <a:fld id="{C1075DFE-FF37-458C-BA31-8FFE9FD73297}" type="datetimeFigureOut">
               <a:rPr kumimoji="1" lang="ja-JP" altLang="en-US" smtClean="0"/>
-              <a:t>2019/5/9</a:t>
+              <a:t>2020/2/18</a:t>
             </a:fld>
             <a:endParaRPr kumimoji="1" lang="ja-JP" altLang="en-US"/>
           </a:p>
@@ -1401,7 +1401,7 @@
           <a:p>
             <a:fld id="{C1075DFE-FF37-458C-BA31-8FFE9FD73297}" type="datetimeFigureOut">
               <a:rPr kumimoji="1" lang="ja-JP" altLang="en-US" smtClean="0"/>
-              <a:t>2019/5/9</a:t>
+              <a:t>2020/2/18</a:t>
             </a:fld>
             <a:endParaRPr kumimoji="1" lang="ja-JP" altLang="en-US"/>
           </a:p>
@@ -1832,7 +1832,7 @@
           <a:p>
             <a:fld id="{C1075DFE-FF37-458C-BA31-8FFE9FD73297}" type="datetimeFigureOut">
               <a:rPr kumimoji="1" lang="ja-JP" altLang="en-US" smtClean="0"/>
-              <a:t>2019/5/9</a:t>
+              <a:t>2020/2/18</a:t>
             </a:fld>
             <a:endParaRPr kumimoji="1" lang="ja-JP" altLang="en-US"/>
           </a:p>
@@ -1950,7 +1950,7 @@
           <a:p>
             <a:fld id="{C1075DFE-FF37-458C-BA31-8FFE9FD73297}" type="datetimeFigureOut">
               <a:rPr kumimoji="1" lang="ja-JP" altLang="en-US" smtClean="0"/>
-              <a:t>2019/5/9</a:t>
+              <a:t>2020/2/18</a:t>
             </a:fld>
             <a:endParaRPr kumimoji="1" lang="ja-JP" altLang="en-US"/>
           </a:p>
@@ -2045,7 +2045,7 @@
           <a:p>
             <a:fld id="{C1075DFE-FF37-458C-BA31-8FFE9FD73297}" type="datetimeFigureOut">
               <a:rPr kumimoji="1" lang="ja-JP" altLang="en-US" smtClean="0"/>
-              <a:t>2019/5/9</a:t>
+              <a:t>2020/2/18</a:t>
             </a:fld>
             <a:endParaRPr kumimoji="1" lang="ja-JP" altLang="en-US"/>
           </a:p>
@@ -2354,7 +2354,7 @@
           <a:p>
             <a:fld id="{C1075DFE-FF37-458C-BA31-8FFE9FD73297}" type="datetimeFigureOut">
               <a:rPr kumimoji="1" lang="ja-JP" altLang="en-US" smtClean="0"/>
-              <a:t>2019/5/9</a:t>
+              <a:t>2020/2/18</a:t>
             </a:fld>
             <a:endParaRPr kumimoji="1" lang="ja-JP" altLang="en-US"/>
           </a:p>
@@ -2611,7 +2611,7 @@
           <a:p>
             <a:fld id="{C1075DFE-FF37-458C-BA31-8FFE9FD73297}" type="datetimeFigureOut">
               <a:rPr kumimoji="1" lang="ja-JP" altLang="en-US" smtClean="0"/>
-              <a:t>2019/5/9</a:t>
+              <a:t>2020/2/18</a:t>
             </a:fld>
             <a:endParaRPr kumimoji="1" lang="ja-JP" altLang="en-US"/>
           </a:p>
@@ -2856,7 +2856,7 @@
           <a:p>
             <a:fld id="{C1075DFE-FF37-458C-BA31-8FFE9FD73297}" type="datetimeFigureOut">
               <a:rPr kumimoji="1" lang="ja-JP" altLang="en-US" smtClean="0"/>
-              <a:t>2019/5/9</a:t>
+              <a:t>2020/2/18</a:t>
             </a:fld>
             <a:endParaRPr kumimoji="1" lang="ja-JP" altLang="en-US"/>
           </a:p>
@@ -3269,7 +3269,7 @@
         </p:nvSpPr>
         <p:spPr>
           <a:xfrm>
-            <a:off x="585216" y="220916"/>
+            <a:off x="672000" y="220916"/>
             <a:ext cx="360000" cy="360000"/>
           </a:xfrm>
           <a:prstGeom prst="rect">
@@ -3320,7 +3320,7 @@
         </p:nvSpPr>
         <p:spPr>
           <a:xfrm>
-            <a:off x="585216" y="580916"/>
+            <a:off x="672000" y="580916"/>
             <a:ext cx="360000" cy="360000"/>
           </a:xfrm>
           <a:prstGeom prst="rect">
@@ -3368,7 +3368,7 @@
         </p:nvSpPr>
         <p:spPr>
           <a:xfrm>
-            <a:off x="585216" y="940916"/>
+            <a:off x="672000" y="940916"/>
             <a:ext cx="360000" cy="360000"/>
           </a:xfrm>
           <a:prstGeom prst="rect">
@@ -3419,7 +3419,7 @@
         </p:nvSpPr>
         <p:spPr>
           <a:xfrm>
-            <a:off x="585216" y="1300916"/>
+            <a:off x="672000" y="1300916"/>
             <a:ext cx="360000" cy="360000"/>
           </a:xfrm>
           <a:prstGeom prst="rect">
@@ -3467,7 +3467,7 @@
         </p:nvSpPr>
         <p:spPr>
           <a:xfrm>
-            <a:off x="585216" y="1660916"/>
+            <a:off x="672000" y="1660916"/>
             <a:ext cx="360000" cy="360000"/>
           </a:xfrm>
           <a:prstGeom prst="rect">
@@ -3518,7 +3518,7 @@
         </p:nvSpPr>
         <p:spPr>
           <a:xfrm>
-            <a:off x="585216" y="2020916"/>
+            <a:off x="672000" y="2020916"/>
             <a:ext cx="360000" cy="360000"/>
           </a:xfrm>
           <a:prstGeom prst="rect">
@@ -3566,7 +3566,7 @@
         </p:nvSpPr>
         <p:spPr>
           <a:xfrm>
-            <a:off x="585216" y="2380916"/>
+            <a:off x="672000" y="2380916"/>
             <a:ext cx="360000" cy="360000"/>
           </a:xfrm>
           <a:prstGeom prst="rect">
@@ -3617,7 +3617,7 @@
         </p:nvSpPr>
         <p:spPr>
           <a:xfrm>
-            <a:off x="585216" y="2740916"/>
+            <a:off x="672000" y="2740916"/>
             <a:ext cx="360000" cy="360000"/>
           </a:xfrm>
           <a:prstGeom prst="rect">
@@ -3665,7 +3665,7 @@
         </p:nvSpPr>
         <p:spPr>
           <a:xfrm>
-            <a:off x="945216" y="580916"/>
+            <a:off x="1032000" y="580916"/>
             <a:ext cx="360000" cy="360000"/>
           </a:xfrm>
           <a:prstGeom prst="rect">
@@ -3716,7 +3716,7 @@
         </p:nvSpPr>
         <p:spPr>
           <a:xfrm>
-            <a:off x="945216" y="940916"/>
+            <a:off x="1032000" y="940916"/>
             <a:ext cx="360000" cy="360000"/>
           </a:xfrm>
           <a:prstGeom prst="rect">
@@ -3764,7 +3764,7 @@
         </p:nvSpPr>
         <p:spPr>
           <a:xfrm>
-            <a:off x="945216" y="1300916"/>
+            <a:off x="1032000" y="1300916"/>
             <a:ext cx="360000" cy="360000"/>
           </a:xfrm>
           <a:prstGeom prst="rect">
@@ -3815,7 +3815,7 @@
         </p:nvSpPr>
         <p:spPr>
           <a:xfrm>
-            <a:off x="945216" y="1660916"/>
+            <a:off x="1032000" y="1660916"/>
             <a:ext cx="360000" cy="360000"/>
           </a:xfrm>
           <a:prstGeom prst="rect">
@@ -3863,7 +3863,7 @@
         </p:nvSpPr>
         <p:spPr>
           <a:xfrm>
-            <a:off x="945216" y="2020916"/>
+            <a:off x="1032000" y="2020916"/>
             <a:ext cx="360000" cy="360000"/>
           </a:xfrm>
           <a:prstGeom prst="rect">
@@ -3914,7 +3914,7 @@
         </p:nvSpPr>
         <p:spPr>
           <a:xfrm>
-            <a:off x="945216" y="2380916"/>
+            <a:off x="1032000" y="2380916"/>
             <a:ext cx="360000" cy="360000"/>
           </a:xfrm>
           <a:prstGeom prst="rect">
@@ -3962,7 +3962,7 @@
         </p:nvSpPr>
         <p:spPr>
           <a:xfrm>
-            <a:off x="945216" y="2740916"/>
+            <a:off x="1032000" y="2740916"/>
             <a:ext cx="360000" cy="360000"/>
           </a:xfrm>
           <a:prstGeom prst="rect">
@@ -4013,7 +4013,7 @@
         </p:nvSpPr>
         <p:spPr>
           <a:xfrm>
-            <a:off x="945216" y="220916"/>
+            <a:off x="1032000" y="220916"/>
             <a:ext cx="360000" cy="360000"/>
           </a:xfrm>
           <a:prstGeom prst="rect">
@@ -4061,7 +4061,7 @@
         </p:nvSpPr>
         <p:spPr>
           <a:xfrm>
-            <a:off x="1305216" y="220916"/>
+            <a:off x="1392000" y="220916"/>
             <a:ext cx="360000" cy="360000"/>
           </a:xfrm>
           <a:prstGeom prst="rect">
@@ -4112,7 +4112,7 @@
         </p:nvSpPr>
         <p:spPr>
           <a:xfrm>
-            <a:off x="1305216" y="580916"/>
+            <a:off x="1392000" y="580916"/>
             <a:ext cx="360000" cy="360000"/>
           </a:xfrm>
           <a:prstGeom prst="rect">
@@ -4160,7 +4160,7 @@
         </p:nvSpPr>
         <p:spPr>
           <a:xfrm>
-            <a:off x="1305216" y="940916"/>
+            <a:off x="1392000" y="940916"/>
             <a:ext cx="360000" cy="360000"/>
           </a:xfrm>
           <a:prstGeom prst="rect">
@@ -4211,7 +4211,7 @@
         </p:nvSpPr>
         <p:spPr>
           <a:xfrm>
-            <a:off x="1305216" y="1300916"/>
+            <a:off x="1392000" y="1300916"/>
             <a:ext cx="360000" cy="360000"/>
           </a:xfrm>
           <a:prstGeom prst="rect">
@@ -4259,7 +4259,7 @@
         </p:nvSpPr>
         <p:spPr>
           <a:xfrm>
-            <a:off x="1305216" y="1660916"/>
+            <a:off x="1392000" y="1660916"/>
             <a:ext cx="360000" cy="360000"/>
           </a:xfrm>
           <a:prstGeom prst="rect">
@@ -4310,7 +4310,7 @@
         </p:nvSpPr>
         <p:spPr>
           <a:xfrm>
-            <a:off x="1305216" y="2020916"/>
+            <a:off x="1392000" y="2020916"/>
             <a:ext cx="360000" cy="360000"/>
           </a:xfrm>
           <a:prstGeom prst="rect">
@@ -4358,7 +4358,7 @@
         </p:nvSpPr>
         <p:spPr>
           <a:xfrm>
-            <a:off x="1305216" y="2380916"/>
+            <a:off x="1392000" y="2380916"/>
             <a:ext cx="360000" cy="360000"/>
           </a:xfrm>
           <a:prstGeom prst="rect">
@@ -4409,7 +4409,7 @@
         </p:nvSpPr>
         <p:spPr>
           <a:xfrm>
-            <a:off x="1305216" y="2740916"/>
+            <a:off x="1392000" y="2740916"/>
             <a:ext cx="360000" cy="360000"/>
           </a:xfrm>
           <a:prstGeom prst="rect">
@@ -4457,7 +4457,7 @@
         </p:nvSpPr>
         <p:spPr>
           <a:xfrm>
-            <a:off x="1665216" y="580916"/>
+            <a:off x="1752000" y="580916"/>
             <a:ext cx="360000" cy="360000"/>
           </a:xfrm>
           <a:prstGeom prst="rect">
@@ -4508,7 +4508,7 @@
         </p:nvSpPr>
         <p:spPr>
           <a:xfrm>
-            <a:off x="1665216" y="940916"/>
+            <a:off x="1752000" y="940916"/>
             <a:ext cx="360000" cy="360000"/>
           </a:xfrm>
           <a:prstGeom prst="rect">
@@ -4556,7 +4556,7 @@
         </p:nvSpPr>
         <p:spPr>
           <a:xfrm>
-            <a:off x="1665216" y="1300916"/>
+            <a:off x="1752000" y="1300916"/>
             <a:ext cx="360000" cy="360000"/>
           </a:xfrm>
           <a:prstGeom prst="rect">
@@ -4607,7 +4607,7 @@
         </p:nvSpPr>
         <p:spPr>
           <a:xfrm>
-            <a:off x="1665216" y="1660916"/>
+            <a:off x="1752000" y="1660916"/>
             <a:ext cx="360000" cy="360000"/>
           </a:xfrm>
           <a:prstGeom prst="rect">
@@ -4655,7 +4655,7 @@
         </p:nvSpPr>
         <p:spPr>
           <a:xfrm>
-            <a:off x="1665216" y="2020916"/>
+            <a:off x="1752000" y="2020916"/>
             <a:ext cx="360000" cy="360000"/>
           </a:xfrm>
           <a:prstGeom prst="rect">
@@ -4706,7 +4706,7 @@
         </p:nvSpPr>
         <p:spPr>
           <a:xfrm>
-            <a:off x="1665216" y="2380916"/>
+            <a:off x="1752000" y="2380916"/>
             <a:ext cx="360000" cy="360000"/>
           </a:xfrm>
           <a:prstGeom prst="rect">
@@ -4754,7 +4754,7 @@
         </p:nvSpPr>
         <p:spPr>
           <a:xfrm>
-            <a:off x="1665216" y="2740916"/>
+            <a:off x="1752000" y="2740916"/>
             <a:ext cx="360000" cy="360000"/>
           </a:xfrm>
           <a:prstGeom prst="rect">
@@ -4805,7 +4805,7 @@
         </p:nvSpPr>
         <p:spPr>
           <a:xfrm>
-            <a:off x="1665216" y="220916"/>
+            <a:off x="1752000" y="220916"/>
             <a:ext cx="360000" cy="360000"/>
           </a:xfrm>
           <a:prstGeom prst="rect">
@@ -4853,7 +4853,7 @@
         </p:nvSpPr>
         <p:spPr>
           <a:xfrm>
-            <a:off x="2025216" y="220916"/>
+            <a:off x="2112000" y="220916"/>
             <a:ext cx="360000" cy="360000"/>
           </a:xfrm>
           <a:prstGeom prst="rect">
@@ -4904,7 +4904,7 @@
         </p:nvSpPr>
         <p:spPr>
           <a:xfrm>
-            <a:off x="2025216" y="580916"/>
+            <a:off x="2112000" y="580916"/>
             <a:ext cx="360000" cy="360000"/>
           </a:xfrm>
           <a:prstGeom prst="rect">
@@ -4952,7 +4952,7 @@
         </p:nvSpPr>
         <p:spPr>
           <a:xfrm>
-            <a:off x="2025216" y="940916"/>
+            <a:off x="2112000" y="940916"/>
             <a:ext cx="360000" cy="360000"/>
           </a:xfrm>
           <a:prstGeom prst="rect">
@@ -5003,7 +5003,7 @@
         </p:nvSpPr>
         <p:spPr>
           <a:xfrm>
-            <a:off x="2025216" y="1300916"/>
+            <a:off x="2112000" y="1300916"/>
             <a:ext cx="360000" cy="360000"/>
           </a:xfrm>
           <a:prstGeom prst="rect">
@@ -5051,7 +5051,7 @@
         </p:nvSpPr>
         <p:spPr>
           <a:xfrm>
-            <a:off x="2025216" y="1660916"/>
+            <a:off x="2112000" y="1660916"/>
             <a:ext cx="360000" cy="360000"/>
           </a:xfrm>
           <a:prstGeom prst="rect">
@@ -5102,7 +5102,7 @@
         </p:nvSpPr>
         <p:spPr>
           <a:xfrm>
-            <a:off x="2025216" y="2020916"/>
+            <a:off x="2112000" y="2020916"/>
             <a:ext cx="360000" cy="360000"/>
           </a:xfrm>
           <a:prstGeom prst="rect">
@@ -5150,7 +5150,7 @@
         </p:nvSpPr>
         <p:spPr>
           <a:xfrm>
-            <a:off x="2025216" y="2380916"/>
+            <a:off x="2112000" y="2380916"/>
             <a:ext cx="360000" cy="360000"/>
           </a:xfrm>
           <a:prstGeom prst="rect">
@@ -5201,7 +5201,7 @@
         </p:nvSpPr>
         <p:spPr>
           <a:xfrm>
-            <a:off x="2025216" y="2740916"/>
+            <a:off x="2112000" y="2740916"/>
             <a:ext cx="360000" cy="360000"/>
           </a:xfrm>
           <a:prstGeom prst="rect">
@@ -5249,7 +5249,7 @@
         </p:nvSpPr>
         <p:spPr>
           <a:xfrm>
-            <a:off x="2385216" y="580916"/>
+            <a:off x="2472000" y="580916"/>
             <a:ext cx="360000" cy="360000"/>
           </a:xfrm>
           <a:prstGeom prst="rect">
@@ -5300,7 +5300,7 @@
         </p:nvSpPr>
         <p:spPr>
           <a:xfrm>
-            <a:off x="2385216" y="940916"/>
+            <a:off x="2472000" y="940916"/>
             <a:ext cx="360000" cy="360000"/>
           </a:xfrm>
           <a:prstGeom prst="rect">
@@ -5348,7 +5348,7 @@
         </p:nvSpPr>
         <p:spPr>
           <a:xfrm>
-            <a:off x="2385216" y="1300916"/>
+            <a:off x="2472000" y="1300916"/>
             <a:ext cx="360000" cy="360000"/>
           </a:xfrm>
           <a:prstGeom prst="rect">
@@ -5399,7 +5399,7 @@
         </p:nvSpPr>
         <p:spPr>
           <a:xfrm>
-            <a:off x="2385216" y="1660916"/>
+            <a:off x="2472000" y="1660916"/>
             <a:ext cx="360000" cy="360000"/>
           </a:xfrm>
           <a:prstGeom prst="rect">
@@ -5447,7 +5447,7 @@
         </p:nvSpPr>
         <p:spPr>
           <a:xfrm>
-            <a:off x="2385216" y="2020916"/>
+            <a:off x="2472000" y="2020916"/>
             <a:ext cx="360000" cy="360000"/>
           </a:xfrm>
           <a:prstGeom prst="rect">
@@ -5498,7 +5498,7 @@
         </p:nvSpPr>
         <p:spPr>
           <a:xfrm>
-            <a:off x="2385216" y="2380916"/>
+            <a:off x="2472000" y="2380916"/>
             <a:ext cx="360000" cy="360000"/>
           </a:xfrm>
           <a:prstGeom prst="rect">
@@ -5546,7 +5546,7 @@
         </p:nvSpPr>
         <p:spPr>
           <a:xfrm>
-            <a:off x="2385216" y="2740916"/>
+            <a:off x="2472000" y="2740916"/>
             <a:ext cx="360000" cy="360000"/>
           </a:xfrm>
           <a:prstGeom prst="rect">
@@ -5597,7 +5597,7 @@
         </p:nvSpPr>
         <p:spPr>
           <a:xfrm>
-            <a:off x="2385216" y="220916"/>
+            <a:off x="2472000" y="220916"/>
             <a:ext cx="360000" cy="360000"/>
           </a:xfrm>
           <a:prstGeom prst="rect">
@@ -5645,7 +5645,7 @@
         </p:nvSpPr>
         <p:spPr>
           <a:xfrm>
-            <a:off x="2745216" y="220916"/>
+            <a:off x="2832000" y="220916"/>
             <a:ext cx="360000" cy="360000"/>
           </a:xfrm>
           <a:prstGeom prst="rect">
@@ -5696,7 +5696,7 @@
         </p:nvSpPr>
         <p:spPr>
           <a:xfrm>
-            <a:off x="2745216" y="580916"/>
+            <a:off x="2832000" y="580916"/>
             <a:ext cx="360000" cy="360000"/>
           </a:xfrm>
           <a:prstGeom prst="rect">
@@ -5744,7 +5744,7 @@
         </p:nvSpPr>
         <p:spPr>
           <a:xfrm>
-            <a:off x="2745216" y="940916"/>
+            <a:off x="2832000" y="940916"/>
             <a:ext cx="360000" cy="360000"/>
           </a:xfrm>
           <a:prstGeom prst="rect">
@@ -5795,7 +5795,7 @@
         </p:nvSpPr>
         <p:spPr>
           <a:xfrm>
-            <a:off x="2745216" y="1300916"/>
+            <a:off x="2832000" y="1300916"/>
             <a:ext cx="360000" cy="360000"/>
           </a:xfrm>
           <a:prstGeom prst="rect">
@@ -5843,7 +5843,7 @@
         </p:nvSpPr>
         <p:spPr>
           <a:xfrm>
-            <a:off x="2745216" y="1660916"/>
+            <a:off x="2832000" y="1660916"/>
             <a:ext cx="360000" cy="360000"/>
           </a:xfrm>
           <a:prstGeom prst="rect">
@@ -5894,7 +5894,7 @@
         </p:nvSpPr>
         <p:spPr>
           <a:xfrm>
-            <a:off x="2745216" y="2020916"/>
+            <a:off x="2832000" y="2020916"/>
             <a:ext cx="360000" cy="360000"/>
           </a:xfrm>
           <a:prstGeom prst="rect">
@@ -5942,7 +5942,7 @@
         </p:nvSpPr>
         <p:spPr>
           <a:xfrm>
-            <a:off x="2745216" y="2380916"/>
+            <a:off x="2832000" y="2380916"/>
             <a:ext cx="360000" cy="360000"/>
           </a:xfrm>
           <a:prstGeom prst="rect">
@@ -5993,7 +5993,7 @@
         </p:nvSpPr>
         <p:spPr>
           <a:xfrm>
-            <a:off x="2745216" y="2740916"/>
+            <a:off x="2832000" y="2740916"/>
             <a:ext cx="360000" cy="360000"/>
           </a:xfrm>
           <a:prstGeom prst="rect">
@@ -6041,7 +6041,7 @@
         </p:nvSpPr>
         <p:spPr>
           <a:xfrm>
-            <a:off x="3105216" y="580916"/>
+            <a:off x="3192000" y="580916"/>
             <a:ext cx="360000" cy="360000"/>
           </a:xfrm>
           <a:prstGeom prst="rect">
@@ -6092,7 +6092,7 @@
         </p:nvSpPr>
         <p:spPr>
           <a:xfrm>
-            <a:off x="3105216" y="940916"/>
+            <a:off x="3192000" y="940916"/>
             <a:ext cx="360000" cy="360000"/>
           </a:xfrm>
           <a:prstGeom prst="rect">
@@ -6140,7 +6140,7 @@
         </p:nvSpPr>
         <p:spPr>
           <a:xfrm>
-            <a:off x="3105216" y="1300916"/>
+            <a:off x="3192000" y="1300916"/>
             <a:ext cx="360000" cy="360000"/>
           </a:xfrm>
           <a:prstGeom prst="rect">
@@ -6191,7 +6191,7 @@
         </p:nvSpPr>
         <p:spPr>
           <a:xfrm>
-            <a:off x="3105216" y="1660916"/>
+            <a:off x="3192000" y="1660916"/>
             <a:ext cx="360000" cy="360000"/>
           </a:xfrm>
           <a:prstGeom prst="rect">
@@ -6239,7 +6239,7 @@
         </p:nvSpPr>
         <p:spPr>
           <a:xfrm>
-            <a:off x="3105216" y="2020916"/>
+            <a:off x="3192000" y="2020916"/>
             <a:ext cx="360000" cy="360000"/>
           </a:xfrm>
           <a:prstGeom prst="rect">
@@ -6290,7 +6290,7 @@
         </p:nvSpPr>
         <p:spPr>
           <a:xfrm>
-            <a:off x="3105216" y="2380916"/>
+            <a:off x="3192000" y="2380916"/>
             <a:ext cx="360000" cy="360000"/>
           </a:xfrm>
           <a:prstGeom prst="rect">
@@ -6338,7 +6338,7 @@
         </p:nvSpPr>
         <p:spPr>
           <a:xfrm>
-            <a:off x="3105216" y="2740916"/>
+            <a:off x="3192000" y="2740916"/>
             <a:ext cx="360000" cy="360000"/>
           </a:xfrm>
           <a:prstGeom prst="rect">
@@ -6389,7 +6389,7 @@
         </p:nvSpPr>
         <p:spPr>
           <a:xfrm>
-            <a:off x="3105216" y="220916"/>
+            <a:off x="3192000" y="220916"/>
             <a:ext cx="360000" cy="360000"/>
           </a:xfrm>
           <a:prstGeom prst="rect">
@@ -6437,7 +6437,7 @@
         </p:nvSpPr>
         <p:spPr>
           <a:xfrm>
-            <a:off x="3465216" y="220916"/>
+            <a:off x="3552000" y="220916"/>
             <a:ext cx="360000" cy="360000"/>
           </a:xfrm>
           <a:prstGeom prst="rect">
@@ -6488,7 +6488,7 @@
         </p:nvSpPr>
         <p:spPr>
           <a:xfrm>
-            <a:off x="3465216" y="580916"/>
+            <a:off x="3552000" y="580916"/>
             <a:ext cx="360000" cy="360000"/>
           </a:xfrm>
           <a:prstGeom prst="rect">
@@ -6536,7 +6536,7 @@
         </p:nvSpPr>
         <p:spPr>
           <a:xfrm>
-            <a:off x="3465216" y="940916"/>
+            <a:off x="3552000" y="940916"/>
             <a:ext cx="360000" cy="360000"/>
           </a:xfrm>
           <a:prstGeom prst="rect">
@@ -6587,7 +6587,7 @@
         </p:nvSpPr>
         <p:spPr>
           <a:xfrm>
-            <a:off x="3465216" y="1300916"/>
+            <a:off x="3552000" y="1300916"/>
             <a:ext cx="360000" cy="360000"/>
           </a:xfrm>
           <a:prstGeom prst="rect">
@@ -6635,7 +6635,7 @@
         </p:nvSpPr>
         <p:spPr>
           <a:xfrm>
-            <a:off x="3465216" y="1660916"/>
+            <a:off x="3552000" y="1660916"/>
             <a:ext cx="360000" cy="360000"/>
           </a:xfrm>
           <a:prstGeom prst="rect">
@@ -6686,7 +6686,7 @@
         </p:nvSpPr>
         <p:spPr>
           <a:xfrm>
-            <a:off x="3465216" y="2020916"/>
+            <a:off x="3552000" y="2020916"/>
             <a:ext cx="360000" cy="360000"/>
           </a:xfrm>
           <a:prstGeom prst="rect">
@@ -6734,7 +6734,7 @@
         </p:nvSpPr>
         <p:spPr>
           <a:xfrm>
-            <a:off x="3465216" y="2380916"/>
+            <a:off x="3552000" y="2380916"/>
             <a:ext cx="360000" cy="360000"/>
           </a:xfrm>
           <a:prstGeom prst="rect">
@@ -6785,7 +6785,7 @@
         </p:nvSpPr>
         <p:spPr>
           <a:xfrm>
-            <a:off x="3465216" y="2740916"/>
+            <a:off x="3552000" y="2740916"/>
             <a:ext cx="360000" cy="360000"/>
           </a:xfrm>
           <a:prstGeom prst="rect">
@@ -6833,7 +6833,7 @@
         </p:nvSpPr>
         <p:spPr>
           <a:xfrm>
-            <a:off x="3825216" y="580916"/>
+            <a:off x="3912000" y="580916"/>
             <a:ext cx="360000" cy="360000"/>
           </a:xfrm>
           <a:prstGeom prst="rect">
@@ -6884,7 +6884,7 @@
         </p:nvSpPr>
         <p:spPr>
           <a:xfrm>
-            <a:off x="3825216" y="940916"/>
+            <a:off x="3912000" y="940916"/>
             <a:ext cx="360000" cy="360000"/>
           </a:xfrm>
           <a:prstGeom prst="rect">
@@ -6936,7 +6936,7 @@
         </p:nvSpPr>
         <p:spPr>
           <a:xfrm>
-            <a:off x="3825216" y="1300916"/>
+            <a:off x="3912000" y="1300916"/>
             <a:ext cx="360000" cy="360000"/>
           </a:xfrm>
           <a:prstGeom prst="rect">
@@ -6987,7 +6987,7 @@
         </p:nvSpPr>
         <p:spPr>
           <a:xfrm>
-            <a:off x="3825216" y="1660916"/>
+            <a:off x="3912000" y="1660916"/>
             <a:ext cx="360000" cy="360000"/>
           </a:xfrm>
           <a:prstGeom prst="rect">
@@ -7035,7 +7035,7 @@
         </p:nvSpPr>
         <p:spPr>
           <a:xfrm>
-            <a:off x="3825216" y="2020916"/>
+            <a:off x="3912000" y="2020916"/>
             <a:ext cx="360000" cy="360000"/>
           </a:xfrm>
           <a:prstGeom prst="rect">
@@ -7086,7 +7086,7 @@
         </p:nvSpPr>
         <p:spPr>
           <a:xfrm>
-            <a:off x="3825216" y="2380916"/>
+            <a:off x="3912000" y="2380916"/>
             <a:ext cx="360000" cy="360000"/>
           </a:xfrm>
           <a:prstGeom prst="rect">
@@ -7134,7 +7134,7 @@
         </p:nvSpPr>
         <p:spPr>
           <a:xfrm>
-            <a:off x="3825216" y="2740916"/>
+            <a:off x="3912000" y="2740916"/>
             <a:ext cx="360000" cy="360000"/>
           </a:xfrm>
           <a:prstGeom prst="rect">
@@ -7185,7 +7185,7 @@
         </p:nvSpPr>
         <p:spPr>
           <a:xfrm>
-            <a:off x="3825216" y="220916"/>
+            <a:off x="3912000" y="220916"/>
             <a:ext cx="360000" cy="360000"/>
           </a:xfrm>
           <a:prstGeom prst="rect">
@@ -7233,7 +7233,7 @@
         </p:nvSpPr>
         <p:spPr>
           <a:xfrm>
-            <a:off x="4185216" y="220916"/>
+            <a:off x="4272000" y="220916"/>
             <a:ext cx="360000" cy="360000"/>
           </a:xfrm>
           <a:prstGeom prst="rect">
@@ -7284,7 +7284,7 @@
         </p:nvSpPr>
         <p:spPr>
           <a:xfrm>
-            <a:off x="4185216" y="580916"/>
+            <a:off x="4272000" y="580916"/>
             <a:ext cx="360000" cy="360000"/>
           </a:xfrm>
           <a:prstGeom prst="rect">
@@ -7332,7 +7332,7 @@
         </p:nvSpPr>
         <p:spPr>
           <a:xfrm>
-            <a:off x="4185216" y="940916"/>
+            <a:off x="4272000" y="940916"/>
             <a:ext cx="360000" cy="360000"/>
           </a:xfrm>
           <a:prstGeom prst="rect">
@@ -7383,7 +7383,7 @@
         </p:nvSpPr>
         <p:spPr>
           <a:xfrm>
-            <a:off x="4185216" y="1300916"/>
+            <a:off x="4272000" y="1300916"/>
             <a:ext cx="360000" cy="360000"/>
           </a:xfrm>
           <a:prstGeom prst="rect">
@@ -7431,7 +7431,7 @@
         </p:nvSpPr>
         <p:spPr>
           <a:xfrm>
-            <a:off x="4185216" y="1660916"/>
+            <a:off x="4272000" y="1660916"/>
             <a:ext cx="360000" cy="360000"/>
           </a:xfrm>
           <a:prstGeom prst="rect">
@@ -7482,7 +7482,7 @@
         </p:nvSpPr>
         <p:spPr>
           <a:xfrm>
-            <a:off x="4185216" y="2020916"/>
+            <a:off x="4272000" y="2020916"/>
             <a:ext cx="360000" cy="360000"/>
           </a:xfrm>
           <a:prstGeom prst="rect">
@@ -7530,7 +7530,7 @@
         </p:nvSpPr>
         <p:spPr>
           <a:xfrm>
-            <a:off x="4185216" y="2380916"/>
+            <a:off x="4272000" y="2380916"/>
             <a:ext cx="360000" cy="360000"/>
           </a:xfrm>
           <a:prstGeom prst="rect">
@@ -7581,7 +7581,7 @@
         </p:nvSpPr>
         <p:spPr>
           <a:xfrm>
-            <a:off x="4185216" y="2740916"/>
+            <a:off x="4272000" y="2740916"/>
             <a:ext cx="360000" cy="360000"/>
           </a:xfrm>
           <a:prstGeom prst="rect">
@@ -7629,7 +7629,7 @@
         </p:nvSpPr>
         <p:spPr>
           <a:xfrm>
-            <a:off x="4545216" y="580916"/>
+            <a:off x="4632000" y="580916"/>
             <a:ext cx="360000" cy="360000"/>
           </a:xfrm>
           <a:prstGeom prst="rect">
@@ -7680,7 +7680,7 @@
         </p:nvSpPr>
         <p:spPr>
           <a:xfrm>
-            <a:off x="4545216" y="940916"/>
+            <a:off x="4632000" y="940916"/>
             <a:ext cx="360000" cy="360000"/>
           </a:xfrm>
           <a:prstGeom prst="rect">
@@ -7728,7 +7728,7 @@
         </p:nvSpPr>
         <p:spPr>
           <a:xfrm>
-            <a:off x="4545216" y="1300916"/>
+            <a:off x="4632000" y="1300916"/>
             <a:ext cx="360000" cy="360000"/>
           </a:xfrm>
           <a:prstGeom prst="rect">
@@ -7779,7 +7779,7 @@
         </p:nvSpPr>
         <p:spPr>
           <a:xfrm>
-            <a:off x="4545216" y="1660916"/>
+            <a:off x="4632000" y="1660916"/>
             <a:ext cx="360000" cy="360000"/>
           </a:xfrm>
           <a:prstGeom prst="rect">
@@ -7827,7 +7827,7 @@
         </p:nvSpPr>
         <p:spPr>
           <a:xfrm>
-            <a:off x="4545216" y="2020916"/>
+            <a:off x="4632000" y="2020916"/>
             <a:ext cx="360000" cy="360000"/>
           </a:xfrm>
           <a:prstGeom prst="rect">
@@ -7878,7 +7878,7 @@
         </p:nvSpPr>
         <p:spPr>
           <a:xfrm>
-            <a:off x="4545216" y="2380916"/>
+            <a:off x="4632000" y="2380916"/>
             <a:ext cx="360000" cy="360000"/>
           </a:xfrm>
           <a:prstGeom prst="rect">
@@ -7926,7 +7926,7 @@
         </p:nvSpPr>
         <p:spPr>
           <a:xfrm>
-            <a:off x="4545216" y="2740916"/>
+            <a:off x="4632000" y="2740916"/>
             <a:ext cx="360000" cy="360000"/>
           </a:xfrm>
           <a:prstGeom prst="rect">
@@ -7977,7 +7977,7 @@
         </p:nvSpPr>
         <p:spPr>
           <a:xfrm>
-            <a:off x="4545216" y="220916"/>
+            <a:off x="4632000" y="220916"/>
             <a:ext cx="360000" cy="360000"/>
           </a:xfrm>
           <a:prstGeom prst="rect">
@@ -8025,7 +8025,7 @@
         </p:nvSpPr>
         <p:spPr>
           <a:xfrm>
-            <a:off x="4905216" y="220916"/>
+            <a:off x="4992000" y="220916"/>
             <a:ext cx="360000" cy="360000"/>
           </a:xfrm>
           <a:prstGeom prst="rect">
@@ -8076,7 +8076,7 @@
         </p:nvSpPr>
         <p:spPr>
           <a:xfrm>
-            <a:off x="4905216" y="580916"/>
+            <a:off x="4992000" y="580916"/>
             <a:ext cx="360000" cy="360000"/>
           </a:xfrm>
           <a:prstGeom prst="rect">
@@ -8124,7 +8124,7 @@
         </p:nvSpPr>
         <p:spPr>
           <a:xfrm>
-            <a:off x="4905216" y="940916"/>
+            <a:off x="4992000" y="940916"/>
             <a:ext cx="360000" cy="360000"/>
           </a:xfrm>
           <a:prstGeom prst="rect">
@@ -8175,7 +8175,7 @@
         </p:nvSpPr>
         <p:spPr>
           <a:xfrm>
-            <a:off x="4905216" y="1300916"/>
+            <a:off x="4992000" y="1300916"/>
             <a:ext cx="360000" cy="360000"/>
           </a:xfrm>
           <a:prstGeom prst="rect">
@@ -8223,7 +8223,7 @@
         </p:nvSpPr>
         <p:spPr>
           <a:xfrm>
-            <a:off x="4905216" y="1660916"/>
+            <a:off x="4992000" y="1660916"/>
             <a:ext cx="360000" cy="360000"/>
           </a:xfrm>
           <a:prstGeom prst="rect">
@@ -8274,7 +8274,7 @@
         </p:nvSpPr>
         <p:spPr>
           <a:xfrm>
-            <a:off x="4905216" y="2020916"/>
+            <a:off x="4992000" y="2020916"/>
             <a:ext cx="360000" cy="360000"/>
           </a:xfrm>
           <a:prstGeom prst="rect">
@@ -8322,7 +8322,7 @@
         </p:nvSpPr>
         <p:spPr>
           <a:xfrm>
-            <a:off x="4905216" y="2380916"/>
+            <a:off x="4992000" y="2380916"/>
             <a:ext cx="360000" cy="360000"/>
           </a:xfrm>
           <a:prstGeom prst="rect">
@@ -8373,7 +8373,7 @@
         </p:nvSpPr>
         <p:spPr>
           <a:xfrm>
-            <a:off x="4905216" y="2740916"/>
+            <a:off x="4992000" y="2740916"/>
             <a:ext cx="360000" cy="360000"/>
           </a:xfrm>
           <a:prstGeom prst="rect">
@@ -8421,7 +8421,7 @@
         </p:nvSpPr>
         <p:spPr>
           <a:xfrm>
-            <a:off x="5265216" y="580916"/>
+            <a:off x="5352000" y="580916"/>
             <a:ext cx="360000" cy="360000"/>
           </a:xfrm>
           <a:prstGeom prst="rect">
@@ -8472,7 +8472,7 @@
         </p:nvSpPr>
         <p:spPr>
           <a:xfrm>
-            <a:off x="5265216" y="940916"/>
+            <a:off x="5352000" y="940916"/>
             <a:ext cx="360000" cy="360000"/>
           </a:xfrm>
           <a:prstGeom prst="rect">
@@ -8520,7 +8520,7 @@
         </p:nvSpPr>
         <p:spPr>
           <a:xfrm>
-            <a:off x="5265216" y="1300916"/>
+            <a:off x="5352000" y="1300916"/>
             <a:ext cx="360000" cy="360000"/>
           </a:xfrm>
           <a:prstGeom prst="rect">
@@ -8571,7 +8571,7 @@
         </p:nvSpPr>
         <p:spPr>
           <a:xfrm>
-            <a:off x="5265216" y="1660916"/>
+            <a:off x="5352000" y="1660916"/>
             <a:ext cx="360000" cy="360000"/>
           </a:xfrm>
           <a:prstGeom prst="rect">
@@ -8619,7 +8619,7 @@
         </p:nvSpPr>
         <p:spPr>
           <a:xfrm>
-            <a:off x="5265216" y="2020916"/>
+            <a:off x="5352000" y="2020916"/>
             <a:ext cx="360000" cy="360000"/>
           </a:xfrm>
           <a:prstGeom prst="rect">
@@ -8670,7 +8670,7 @@
         </p:nvSpPr>
         <p:spPr>
           <a:xfrm>
-            <a:off x="5265216" y="2380916"/>
+            <a:off x="5352000" y="2380916"/>
             <a:ext cx="360000" cy="360000"/>
           </a:xfrm>
           <a:prstGeom prst="rect">
@@ -8718,7 +8718,7 @@
         </p:nvSpPr>
         <p:spPr>
           <a:xfrm>
-            <a:off x="5265216" y="2740916"/>
+            <a:off x="5352000" y="2740916"/>
             <a:ext cx="360000" cy="360000"/>
           </a:xfrm>
           <a:prstGeom prst="rect">
@@ -8769,7 +8769,7 @@
         </p:nvSpPr>
         <p:spPr>
           <a:xfrm>
-            <a:off x="5265216" y="220916"/>
+            <a:off x="5352000" y="220916"/>
             <a:ext cx="360000" cy="360000"/>
           </a:xfrm>
           <a:prstGeom prst="rect">
@@ -8817,7 +8817,7 @@
         </p:nvSpPr>
         <p:spPr>
           <a:xfrm>
-            <a:off x="5625216" y="220916"/>
+            <a:off x="5712000" y="220916"/>
             <a:ext cx="360000" cy="360000"/>
           </a:xfrm>
           <a:prstGeom prst="rect">
@@ -8868,7 +8868,7 @@
         </p:nvSpPr>
         <p:spPr>
           <a:xfrm>
-            <a:off x="5625216" y="580916"/>
+            <a:off x="5712000" y="580916"/>
             <a:ext cx="360000" cy="360000"/>
           </a:xfrm>
           <a:prstGeom prst="rect">
@@ -8916,7 +8916,7 @@
         </p:nvSpPr>
         <p:spPr>
           <a:xfrm>
-            <a:off x="5625216" y="940916"/>
+            <a:off x="5712000" y="940916"/>
             <a:ext cx="360000" cy="360000"/>
           </a:xfrm>
           <a:prstGeom prst="rect">
@@ -8967,7 +8967,7 @@
         </p:nvSpPr>
         <p:spPr>
           <a:xfrm>
-            <a:off x="5625216" y="1300916"/>
+            <a:off x="5712000" y="1300916"/>
             <a:ext cx="360000" cy="360000"/>
           </a:xfrm>
           <a:prstGeom prst="rect">
@@ -9015,7 +9015,7 @@
         </p:nvSpPr>
         <p:spPr>
           <a:xfrm>
-            <a:off x="5625216" y="1660916"/>
+            <a:off x="5712000" y="1660916"/>
             <a:ext cx="360000" cy="360000"/>
           </a:xfrm>
           <a:prstGeom prst="rect">
@@ -9066,7 +9066,7 @@
         </p:nvSpPr>
         <p:spPr>
           <a:xfrm>
-            <a:off x="5625216" y="2020916"/>
+            <a:off x="5712000" y="2020916"/>
             <a:ext cx="360000" cy="360000"/>
           </a:xfrm>
           <a:prstGeom prst="rect">
@@ -9114,7 +9114,7 @@
         </p:nvSpPr>
         <p:spPr>
           <a:xfrm>
-            <a:off x="5625216" y="2380916"/>
+            <a:off x="5712000" y="2380916"/>
             <a:ext cx="360000" cy="360000"/>
           </a:xfrm>
           <a:prstGeom prst="rect">
@@ -9165,7 +9165,7 @@
         </p:nvSpPr>
         <p:spPr>
           <a:xfrm>
-            <a:off x="5625216" y="2740916"/>
+            <a:off x="5712000" y="2740916"/>
             <a:ext cx="360000" cy="360000"/>
           </a:xfrm>
           <a:prstGeom prst="rect">
@@ -9213,7 +9213,7 @@
         </p:nvSpPr>
         <p:spPr>
           <a:xfrm>
-            <a:off x="5985216" y="580916"/>
+            <a:off x="6072000" y="580916"/>
             <a:ext cx="360000" cy="360000"/>
           </a:xfrm>
           <a:prstGeom prst="rect">
@@ -9264,7 +9264,7 @@
         </p:nvSpPr>
         <p:spPr>
           <a:xfrm>
-            <a:off x="5985216" y="940916"/>
+            <a:off x="6072000" y="940916"/>
             <a:ext cx="360000" cy="360000"/>
           </a:xfrm>
           <a:prstGeom prst="rect">
@@ -9312,7 +9312,7 @@
         </p:nvSpPr>
         <p:spPr>
           <a:xfrm>
-            <a:off x="5985216" y="1300916"/>
+            <a:off x="6072000" y="1300916"/>
             <a:ext cx="360000" cy="360000"/>
           </a:xfrm>
           <a:prstGeom prst="rect">
@@ -9363,7 +9363,7 @@
         </p:nvSpPr>
         <p:spPr>
           <a:xfrm>
-            <a:off x="5985216" y="1660916"/>
+            <a:off x="6072000" y="1660916"/>
             <a:ext cx="360000" cy="360000"/>
           </a:xfrm>
           <a:prstGeom prst="rect">
@@ -9411,7 +9411,7 @@
         </p:nvSpPr>
         <p:spPr>
           <a:xfrm>
-            <a:off x="5985216" y="2020916"/>
+            <a:off x="6072000" y="2020916"/>
             <a:ext cx="360000" cy="360000"/>
           </a:xfrm>
           <a:prstGeom prst="rect">
@@ -9462,7 +9462,7 @@
         </p:nvSpPr>
         <p:spPr>
           <a:xfrm>
-            <a:off x="5985216" y="2380916"/>
+            <a:off x="6072000" y="2380916"/>
             <a:ext cx="360000" cy="360000"/>
           </a:xfrm>
           <a:prstGeom prst="rect">
@@ -9510,7 +9510,7 @@
         </p:nvSpPr>
         <p:spPr>
           <a:xfrm>
-            <a:off x="5985216" y="2740916"/>
+            <a:off x="6072000" y="2740916"/>
             <a:ext cx="360000" cy="360000"/>
           </a:xfrm>
           <a:prstGeom prst="rect">
@@ -9561,7 +9561,7 @@
         </p:nvSpPr>
         <p:spPr>
           <a:xfrm>
-            <a:off x="5985216" y="220916"/>
+            <a:off x="6072000" y="220916"/>
             <a:ext cx="360000" cy="360000"/>
           </a:xfrm>
           <a:prstGeom prst="rect">
@@ -9609,7 +9609,7 @@
         </p:nvSpPr>
         <p:spPr>
           <a:xfrm>
-            <a:off x="6345216" y="220916"/>
+            <a:off x="6432000" y="220916"/>
             <a:ext cx="360000" cy="360000"/>
           </a:xfrm>
           <a:prstGeom prst="rect">
@@ -9660,7 +9660,7 @@
         </p:nvSpPr>
         <p:spPr>
           <a:xfrm>
-            <a:off x="6345216" y="580916"/>
+            <a:off x="6432000" y="580916"/>
             <a:ext cx="360000" cy="360000"/>
           </a:xfrm>
           <a:prstGeom prst="rect">
@@ -9708,7 +9708,7 @@
         </p:nvSpPr>
         <p:spPr>
           <a:xfrm>
-            <a:off x="6345216" y="940916"/>
+            <a:off x="6432000" y="940916"/>
             <a:ext cx="360000" cy="360000"/>
           </a:xfrm>
           <a:prstGeom prst="rect">
@@ -9759,7 +9759,7 @@
         </p:nvSpPr>
         <p:spPr>
           <a:xfrm>
-            <a:off x="6345216" y="1300916"/>
+            <a:off x="6432000" y="1300916"/>
             <a:ext cx="360000" cy="360000"/>
           </a:xfrm>
           <a:prstGeom prst="rect">
@@ -9807,7 +9807,7 @@
         </p:nvSpPr>
         <p:spPr>
           <a:xfrm>
-            <a:off x="6345216" y="1660916"/>
+            <a:off x="6432000" y="1660916"/>
             <a:ext cx="360000" cy="360000"/>
           </a:xfrm>
           <a:prstGeom prst="rect">
@@ -9858,7 +9858,7 @@
         </p:nvSpPr>
         <p:spPr>
           <a:xfrm>
-            <a:off x="6345216" y="2020916"/>
+            <a:off x="6432000" y="2020916"/>
             <a:ext cx="360000" cy="360000"/>
           </a:xfrm>
           <a:prstGeom prst="rect">
@@ -9906,7 +9906,7 @@
         </p:nvSpPr>
         <p:spPr>
           <a:xfrm>
-            <a:off x="6345216" y="2380916"/>
+            <a:off x="6432000" y="2380916"/>
             <a:ext cx="360000" cy="360000"/>
           </a:xfrm>
           <a:prstGeom prst="rect">
@@ -9957,7 +9957,7 @@
         </p:nvSpPr>
         <p:spPr>
           <a:xfrm>
-            <a:off x="6345216" y="2740916"/>
+            <a:off x="6432000" y="2740916"/>
             <a:ext cx="360000" cy="360000"/>
           </a:xfrm>
           <a:prstGeom prst="rect">
@@ -10005,7 +10005,7 @@
         </p:nvSpPr>
         <p:spPr>
           <a:xfrm>
-            <a:off x="6705216" y="580916"/>
+            <a:off x="6792000" y="580916"/>
             <a:ext cx="360000" cy="360000"/>
           </a:xfrm>
           <a:prstGeom prst="rect">
@@ -10056,7 +10056,7 @@
         </p:nvSpPr>
         <p:spPr>
           <a:xfrm>
-            <a:off x="6705216" y="940916"/>
+            <a:off x="6792000" y="940916"/>
             <a:ext cx="360000" cy="360000"/>
           </a:xfrm>
           <a:prstGeom prst="rect">
@@ -10104,7 +10104,7 @@
         </p:nvSpPr>
         <p:spPr>
           <a:xfrm>
-            <a:off x="6705216" y="1300916"/>
+            <a:off x="6792000" y="1300916"/>
             <a:ext cx="360000" cy="360000"/>
           </a:xfrm>
           <a:prstGeom prst="rect">
@@ -10155,7 +10155,7 @@
         </p:nvSpPr>
         <p:spPr>
           <a:xfrm>
-            <a:off x="6705216" y="1660916"/>
+            <a:off x="6792000" y="1660916"/>
             <a:ext cx="360000" cy="360000"/>
           </a:xfrm>
           <a:prstGeom prst="rect">
@@ -10203,7 +10203,7 @@
         </p:nvSpPr>
         <p:spPr>
           <a:xfrm>
-            <a:off x="6705216" y="2020916"/>
+            <a:off x="6792000" y="2020916"/>
             <a:ext cx="360000" cy="360000"/>
           </a:xfrm>
           <a:prstGeom prst="rect">
@@ -10254,7 +10254,7 @@
         </p:nvSpPr>
         <p:spPr>
           <a:xfrm>
-            <a:off x="6705216" y="2380916"/>
+            <a:off x="6792000" y="2380916"/>
             <a:ext cx="360000" cy="360000"/>
           </a:xfrm>
           <a:prstGeom prst="rect">
@@ -10302,7 +10302,7 @@
         </p:nvSpPr>
         <p:spPr>
           <a:xfrm>
-            <a:off x="6705216" y="2740916"/>
+            <a:off x="6792000" y="2740916"/>
             <a:ext cx="360000" cy="360000"/>
           </a:xfrm>
           <a:prstGeom prst="rect">
@@ -10353,7 +10353,7 @@
         </p:nvSpPr>
         <p:spPr>
           <a:xfrm>
-            <a:off x="6705216" y="220916"/>
+            <a:off x="6792000" y="220916"/>
             <a:ext cx="360000" cy="360000"/>
           </a:xfrm>
           <a:prstGeom prst="rect">
@@ -10401,7 +10401,7 @@
         </p:nvSpPr>
         <p:spPr>
           <a:xfrm>
-            <a:off x="7065216" y="220916"/>
+            <a:off x="7152000" y="220916"/>
             <a:ext cx="360000" cy="360000"/>
           </a:xfrm>
           <a:prstGeom prst="rect">
@@ -10452,7 +10452,7 @@
         </p:nvSpPr>
         <p:spPr>
           <a:xfrm>
-            <a:off x="7065216" y="580916"/>
+            <a:off x="7152000" y="580916"/>
             <a:ext cx="360000" cy="360000"/>
           </a:xfrm>
           <a:prstGeom prst="rect">
@@ -10500,7 +10500,7 @@
         </p:nvSpPr>
         <p:spPr>
           <a:xfrm>
-            <a:off x="7065216" y="940916"/>
+            <a:off x="7152000" y="940916"/>
             <a:ext cx="360000" cy="360000"/>
           </a:xfrm>
           <a:prstGeom prst="rect">
@@ -10551,7 +10551,7 @@
         </p:nvSpPr>
         <p:spPr>
           <a:xfrm>
-            <a:off x="7065216" y="1300916"/>
+            <a:off x="7152000" y="1300916"/>
             <a:ext cx="360000" cy="360000"/>
           </a:xfrm>
           <a:prstGeom prst="rect">
@@ -10599,7 +10599,7 @@
         </p:nvSpPr>
         <p:spPr>
           <a:xfrm>
-            <a:off x="7065216" y="1660916"/>
+            <a:off x="7152000" y="1660916"/>
             <a:ext cx="360000" cy="360000"/>
           </a:xfrm>
           <a:prstGeom prst="rect">
@@ -10650,7 +10650,7 @@
         </p:nvSpPr>
         <p:spPr>
           <a:xfrm>
-            <a:off x="7065216" y="2020916"/>
+            <a:off x="7152000" y="2020916"/>
             <a:ext cx="360000" cy="360000"/>
           </a:xfrm>
           <a:prstGeom prst="rect">
@@ -10698,7 +10698,7 @@
         </p:nvSpPr>
         <p:spPr>
           <a:xfrm>
-            <a:off x="7065216" y="2380916"/>
+            <a:off x="7152000" y="2380916"/>
             <a:ext cx="360000" cy="360000"/>
           </a:xfrm>
           <a:prstGeom prst="rect">
@@ -10749,7 +10749,7 @@
         </p:nvSpPr>
         <p:spPr>
           <a:xfrm>
-            <a:off x="7065216" y="2740916"/>
+            <a:off x="7152000" y="2740916"/>
             <a:ext cx="360000" cy="360000"/>
           </a:xfrm>
           <a:prstGeom prst="rect">
@@ -10797,7 +10797,7 @@
         </p:nvSpPr>
         <p:spPr>
           <a:xfrm>
-            <a:off x="7425216" y="580916"/>
+            <a:off x="7512000" y="580916"/>
             <a:ext cx="360000" cy="360000"/>
           </a:xfrm>
           <a:prstGeom prst="rect">
@@ -10848,7 +10848,7 @@
         </p:nvSpPr>
         <p:spPr>
           <a:xfrm>
-            <a:off x="7425216" y="940916"/>
+            <a:off x="7512000" y="940916"/>
             <a:ext cx="360000" cy="360000"/>
           </a:xfrm>
           <a:prstGeom prst="rect">
@@ -10896,7 +10896,7 @@
         </p:nvSpPr>
         <p:spPr>
           <a:xfrm>
-            <a:off x="7425216" y="1300916"/>
+            <a:off x="7512000" y="1300916"/>
             <a:ext cx="360000" cy="360000"/>
           </a:xfrm>
           <a:prstGeom prst="rect">
@@ -10947,7 +10947,7 @@
         </p:nvSpPr>
         <p:spPr>
           <a:xfrm>
-            <a:off x="7425216" y="1660916"/>
+            <a:off x="7512000" y="1660916"/>
             <a:ext cx="360000" cy="360000"/>
           </a:xfrm>
           <a:prstGeom prst="rect">
@@ -10995,7 +10995,7 @@
         </p:nvSpPr>
         <p:spPr>
           <a:xfrm>
-            <a:off x="7425216" y="2020916"/>
+            <a:off x="7512000" y="2020916"/>
             <a:ext cx="360000" cy="360000"/>
           </a:xfrm>
           <a:prstGeom prst="rect">
@@ -11046,7 +11046,7 @@
         </p:nvSpPr>
         <p:spPr>
           <a:xfrm>
-            <a:off x="7425216" y="2380916"/>
+            <a:off x="7512000" y="2380916"/>
             <a:ext cx="360000" cy="360000"/>
           </a:xfrm>
           <a:prstGeom prst="rect">
@@ -11094,7 +11094,7 @@
         </p:nvSpPr>
         <p:spPr>
           <a:xfrm>
-            <a:off x="7425216" y="2740916"/>
+            <a:off x="7512000" y="2740916"/>
             <a:ext cx="360000" cy="360000"/>
           </a:xfrm>
           <a:prstGeom prst="rect">
@@ -11145,7 +11145,7 @@
         </p:nvSpPr>
         <p:spPr>
           <a:xfrm>
-            <a:off x="7425216" y="220916"/>
+            <a:off x="7512000" y="220916"/>
             <a:ext cx="360000" cy="360000"/>
           </a:xfrm>
           <a:prstGeom prst="rect">
@@ -11193,7 +11193,7 @@
         </p:nvSpPr>
         <p:spPr>
           <a:xfrm>
-            <a:off x="7785216" y="220916"/>
+            <a:off x="7872000" y="220916"/>
             <a:ext cx="360000" cy="360000"/>
           </a:xfrm>
           <a:prstGeom prst="rect">
@@ -11244,7 +11244,7 @@
         </p:nvSpPr>
         <p:spPr>
           <a:xfrm>
-            <a:off x="7785216" y="580916"/>
+            <a:off x="7872000" y="580916"/>
             <a:ext cx="360000" cy="360000"/>
           </a:xfrm>
           <a:prstGeom prst="rect">
@@ -11292,7 +11292,7 @@
         </p:nvSpPr>
         <p:spPr>
           <a:xfrm>
-            <a:off x="7785216" y="940916"/>
+            <a:off x="7872000" y="940916"/>
             <a:ext cx="360000" cy="360000"/>
           </a:xfrm>
           <a:prstGeom prst="rect">
@@ -11343,7 +11343,7 @@
         </p:nvSpPr>
         <p:spPr>
           <a:xfrm>
-            <a:off x="7785216" y="1300916"/>
+            <a:off x="7872000" y="1300916"/>
             <a:ext cx="360000" cy="360000"/>
           </a:xfrm>
           <a:prstGeom prst="rect">
@@ -11391,7 +11391,7 @@
         </p:nvSpPr>
         <p:spPr>
           <a:xfrm>
-            <a:off x="7785216" y="1660916"/>
+            <a:off x="7872000" y="1660916"/>
             <a:ext cx="360000" cy="360000"/>
           </a:xfrm>
           <a:prstGeom prst="rect">
@@ -11442,7 +11442,7 @@
         </p:nvSpPr>
         <p:spPr>
           <a:xfrm>
-            <a:off x="7785216" y="2020916"/>
+            <a:off x="7872000" y="2020916"/>
             <a:ext cx="360000" cy="360000"/>
           </a:xfrm>
           <a:prstGeom prst="rect">
@@ -11492,7 +11492,7 @@
         </p:nvSpPr>
         <p:spPr>
           <a:xfrm>
-            <a:off x="7785216" y="2380916"/>
+            <a:off x="7872000" y="2380916"/>
             <a:ext cx="360000" cy="360000"/>
           </a:xfrm>
           <a:prstGeom prst="rect">
@@ -11543,7 +11543,7 @@
         </p:nvSpPr>
         <p:spPr>
           <a:xfrm>
-            <a:off x="7785216" y="2740916"/>
+            <a:off x="7872000" y="2740916"/>
             <a:ext cx="360000" cy="360000"/>
           </a:xfrm>
           <a:prstGeom prst="rect">
@@ -11591,7 +11591,7 @@
         </p:nvSpPr>
         <p:spPr>
           <a:xfrm>
-            <a:off x="8145216" y="580916"/>
+            <a:off x="8232000" y="580916"/>
             <a:ext cx="360000" cy="360000"/>
           </a:xfrm>
           <a:prstGeom prst="rect">
@@ -11642,7 +11642,7 @@
         </p:nvSpPr>
         <p:spPr>
           <a:xfrm>
-            <a:off x="8145216" y="940916"/>
+            <a:off x="8232000" y="940916"/>
             <a:ext cx="360000" cy="360000"/>
           </a:xfrm>
           <a:prstGeom prst="rect">
@@ -11690,7 +11690,7 @@
         </p:nvSpPr>
         <p:spPr>
           <a:xfrm>
-            <a:off x="8145216" y="1300916"/>
+            <a:off x="8232000" y="1300916"/>
             <a:ext cx="360000" cy="360000"/>
           </a:xfrm>
           <a:prstGeom prst="rect">
@@ -11741,7 +11741,7 @@
         </p:nvSpPr>
         <p:spPr>
           <a:xfrm>
-            <a:off x="8145216" y="1660916"/>
+            <a:off x="8232000" y="1660916"/>
             <a:ext cx="360000" cy="360000"/>
           </a:xfrm>
           <a:prstGeom prst="rect">
@@ -11789,7 +11789,7 @@
         </p:nvSpPr>
         <p:spPr>
           <a:xfrm>
-            <a:off x="8145216" y="2020916"/>
+            <a:off x="8232000" y="2020916"/>
             <a:ext cx="360000" cy="360000"/>
           </a:xfrm>
           <a:prstGeom prst="rect">
@@ -11840,7 +11840,7 @@
         </p:nvSpPr>
         <p:spPr>
           <a:xfrm>
-            <a:off x="8145216" y="2380916"/>
+            <a:off x="8232000" y="2380916"/>
             <a:ext cx="360000" cy="360000"/>
           </a:xfrm>
           <a:prstGeom prst="rect">
@@ -11890,7 +11890,7 @@
         </p:nvSpPr>
         <p:spPr>
           <a:xfrm>
-            <a:off x="8145216" y="2740916"/>
+            <a:off x="8232000" y="2740916"/>
             <a:ext cx="360000" cy="360000"/>
           </a:xfrm>
           <a:prstGeom prst="rect">
@@ -11941,7 +11941,7 @@
         </p:nvSpPr>
         <p:spPr>
           <a:xfrm>
-            <a:off x="8145216" y="220916"/>
+            <a:off x="8232000" y="220916"/>
             <a:ext cx="360000" cy="360000"/>
           </a:xfrm>
           <a:prstGeom prst="rect">
@@ -11989,7 +11989,7 @@
         </p:nvSpPr>
         <p:spPr>
           <a:xfrm>
-            <a:off x="8505216" y="220916"/>
+            <a:off x="8592000" y="220916"/>
             <a:ext cx="360000" cy="360000"/>
           </a:xfrm>
           <a:prstGeom prst="rect">
@@ -12040,7 +12040,7 @@
         </p:nvSpPr>
         <p:spPr>
           <a:xfrm>
-            <a:off x="8505216" y="580916"/>
+            <a:off x="8592000" y="580916"/>
             <a:ext cx="360000" cy="360000"/>
           </a:xfrm>
           <a:prstGeom prst="rect">
@@ -12088,7 +12088,7 @@
         </p:nvSpPr>
         <p:spPr>
           <a:xfrm>
-            <a:off x="8505216" y="940916"/>
+            <a:off x="8592000" y="940916"/>
             <a:ext cx="360000" cy="360000"/>
           </a:xfrm>
           <a:prstGeom prst="rect">
@@ -12139,7 +12139,7 @@
         </p:nvSpPr>
         <p:spPr>
           <a:xfrm>
-            <a:off x="8505216" y="1300916"/>
+            <a:off x="8592000" y="1300916"/>
             <a:ext cx="360000" cy="360000"/>
           </a:xfrm>
           <a:prstGeom prst="rect">
@@ -12187,7 +12187,7 @@
         </p:nvSpPr>
         <p:spPr>
           <a:xfrm>
-            <a:off x="8505216" y="1660916"/>
+            <a:off x="8592000" y="1660916"/>
             <a:ext cx="360000" cy="360000"/>
           </a:xfrm>
           <a:prstGeom prst="rect">
@@ -12238,7 +12238,7 @@
         </p:nvSpPr>
         <p:spPr>
           <a:xfrm>
-            <a:off x="8505216" y="2020916"/>
+            <a:off x="8592000" y="2020916"/>
             <a:ext cx="360000" cy="360000"/>
           </a:xfrm>
           <a:prstGeom prst="rect">
@@ -12288,7 +12288,7 @@
         </p:nvSpPr>
         <p:spPr>
           <a:xfrm>
-            <a:off x="8505216" y="2380916"/>
+            <a:off x="8592000" y="2380916"/>
             <a:ext cx="360000" cy="360000"/>
           </a:xfrm>
           <a:prstGeom prst="rect">
@@ -12339,7 +12339,7 @@
         </p:nvSpPr>
         <p:spPr>
           <a:xfrm>
-            <a:off x="8505216" y="2740916"/>
+            <a:off x="8592000" y="2740916"/>
             <a:ext cx="360000" cy="360000"/>
           </a:xfrm>
           <a:prstGeom prst="rect">
@@ -12387,7 +12387,7 @@
         </p:nvSpPr>
         <p:spPr>
           <a:xfrm>
-            <a:off x="8865216" y="580916"/>
+            <a:off x="8952000" y="580916"/>
             <a:ext cx="360000" cy="360000"/>
           </a:xfrm>
           <a:prstGeom prst="rect">
@@ -12438,7 +12438,7 @@
         </p:nvSpPr>
         <p:spPr>
           <a:xfrm>
-            <a:off x="8865216" y="940916"/>
+            <a:off x="8952000" y="940916"/>
             <a:ext cx="360000" cy="360000"/>
           </a:xfrm>
           <a:prstGeom prst="rect">
@@ -12486,7 +12486,7 @@
         </p:nvSpPr>
         <p:spPr>
           <a:xfrm>
-            <a:off x="8865216" y="1300916"/>
+            <a:off x="8952000" y="1300916"/>
             <a:ext cx="360000" cy="360000"/>
           </a:xfrm>
           <a:prstGeom prst="rect">
@@ -12537,7 +12537,7 @@
         </p:nvSpPr>
         <p:spPr>
           <a:xfrm>
-            <a:off x="8865216" y="1660916"/>
+            <a:off x="8952000" y="1660916"/>
             <a:ext cx="360000" cy="360000"/>
           </a:xfrm>
           <a:prstGeom prst="rect">
@@ -12585,7 +12585,7 @@
         </p:nvSpPr>
         <p:spPr>
           <a:xfrm>
-            <a:off x="8865216" y="2020916"/>
+            <a:off x="8952000" y="2020916"/>
             <a:ext cx="360000" cy="360000"/>
           </a:xfrm>
           <a:prstGeom prst="rect">
@@ -12636,7 +12636,7 @@
         </p:nvSpPr>
         <p:spPr>
           <a:xfrm>
-            <a:off x="8865216" y="2380916"/>
+            <a:off x="8952000" y="2380916"/>
             <a:ext cx="360000" cy="360000"/>
           </a:xfrm>
           <a:prstGeom prst="rect">
@@ -12684,7 +12684,7 @@
         </p:nvSpPr>
         <p:spPr>
           <a:xfrm>
-            <a:off x="8865216" y="2740916"/>
+            <a:off x="8952000" y="2740916"/>
             <a:ext cx="360000" cy="360000"/>
           </a:xfrm>
           <a:prstGeom prst="rect">
@@ -12735,7 +12735,7 @@
         </p:nvSpPr>
         <p:spPr>
           <a:xfrm>
-            <a:off x="8865216" y="220916"/>
+            <a:off x="8952000" y="220916"/>
             <a:ext cx="360000" cy="360000"/>
           </a:xfrm>
           <a:prstGeom prst="rect">
@@ -12785,7 +12785,7 @@
         </p:nvSpPr>
         <p:spPr>
           <a:xfrm>
-            <a:off x="9225216" y="220916"/>
+            <a:off x="9312000" y="220916"/>
             <a:ext cx="360000" cy="360000"/>
           </a:xfrm>
           <a:prstGeom prst="rect">
@@ -12836,7 +12836,7 @@
         </p:nvSpPr>
         <p:spPr>
           <a:xfrm>
-            <a:off x="9225216" y="580916"/>
+            <a:off x="9312000" y="580916"/>
             <a:ext cx="360000" cy="360000"/>
           </a:xfrm>
           <a:prstGeom prst="rect">
@@ -12886,7 +12886,7 @@
         </p:nvSpPr>
         <p:spPr>
           <a:xfrm>
-            <a:off x="9225216" y="940916"/>
+            <a:off x="9312000" y="940916"/>
             <a:ext cx="360000" cy="360000"/>
           </a:xfrm>
           <a:prstGeom prst="rect">
@@ -12937,7 +12937,7 @@
         </p:nvSpPr>
         <p:spPr>
           <a:xfrm>
-            <a:off x="9225216" y="1300916"/>
+            <a:off x="9312000" y="1300916"/>
             <a:ext cx="360000" cy="360000"/>
           </a:xfrm>
           <a:prstGeom prst="rect">
@@ -12985,7 +12985,7 @@
         </p:nvSpPr>
         <p:spPr>
           <a:xfrm>
-            <a:off x="9225216" y="1660916"/>
+            <a:off x="9312000" y="1660916"/>
             <a:ext cx="360000" cy="360000"/>
           </a:xfrm>
           <a:prstGeom prst="rect">
@@ -13036,7 +13036,7 @@
         </p:nvSpPr>
         <p:spPr>
           <a:xfrm>
-            <a:off x="9225216" y="2020916"/>
+            <a:off x="9312000" y="2020916"/>
             <a:ext cx="360000" cy="360000"/>
           </a:xfrm>
           <a:prstGeom prst="rect">
@@ -13084,7 +13084,7 @@
         </p:nvSpPr>
         <p:spPr>
           <a:xfrm>
-            <a:off x="9225216" y="2380916"/>
+            <a:off x="9312000" y="2380916"/>
             <a:ext cx="360000" cy="360000"/>
           </a:xfrm>
           <a:prstGeom prst="rect">
@@ -13135,7 +13135,7 @@
         </p:nvSpPr>
         <p:spPr>
           <a:xfrm>
-            <a:off x="9225216" y="2740916"/>
+            <a:off x="9312000" y="2740916"/>
             <a:ext cx="360000" cy="360000"/>
           </a:xfrm>
           <a:prstGeom prst="rect">
@@ -13183,7 +13183,7 @@
         </p:nvSpPr>
         <p:spPr>
           <a:xfrm>
-            <a:off x="9585216" y="580916"/>
+            <a:off x="9672000" y="580916"/>
             <a:ext cx="360000" cy="360000"/>
           </a:xfrm>
           <a:prstGeom prst="rect">
@@ -13234,7 +13234,7 @@
         </p:nvSpPr>
         <p:spPr>
           <a:xfrm>
-            <a:off x="9585216" y="940916"/>
+            <a:off x="9672000" y="940916"/>
             <a:ext cx="360000" cy="360000"/>
           </a:xfrm>
           <a:prstGeom prst="rect">
@@ -13282,7 +13282,7 @@
         </p:nvSpPr>
         <p:spPr>
           <a:xfrm>
-            <a:off x="9585216" y="1300916"/>
+            <a:off x="9672000" y="1300916"/>
             <a:ext cx="360000" cy="360000"/>
           </a:xfrm>
           <a:prstGeom prst="rect">
@@ -13333,7 +13333,7 @@
         </p:nvSpPr>
         <p:spPr>
           <a:xfrm>
-            <a:off x="9585216" y="1660916"/>
+            <a:off x="9672000" y="1660916"/>
             <a:ext cx="360000" cy="360000"/>
           </a:xfrm>
           <a:prstGeom prst="rect">
@@ -13381,7 +13381,7 @@
         </p:nvSpPr>
         <p:spPr>
           <a:xfrm>
-            <a:off x="9585216" y="2020916"/>
+            <a:off x="9672000" y="2020916"/>
             <a:ext cx="360000" cy="360000"/>
           </a:xfrm>
           <a:prstGeom prst="rect">
@@ -13432,7 +13432,7 @@
         </p:nvSpPr>
         <p:spPr>
           <a:xfrm>
-            <a:off x="9585216" y="2380916"/>
+            <a:off x="9672000" y="2380916"/>
             <a:ext cx="360000" cy="360000"/>
           </a:xfrm>
           <a:prstGeom prst="rect">
@@ -13480,7 +13480,7 @@
         </p:nvSpPr>
         <p:spPr>
           <a:xfrm>
-            <a:off x="9585216" y="2740916"/>
+            <a:off x="9672000" y="2740916"/>
             <a:ext cx="360000" cy="360000"/>
           </a:xfrm>
           <a:prstGeom prst="rect">
@@ -13531,7 +13531,7 @@
         </p:nvSpPr>
         <p:spPr>
           <a:xfrm>
-            <a:off x="9585216" y="220916"/>
+            <a:off x="9672000" y="220916"/>
             <a:ext cx="360000" cy="360000"/>
           </a:xfrm>
           <a:prstGeom prst="rect">
@@ -13581,7 +13581,7 @@
         </p:nvSpPr>
         <p:spPr>
           <a:xfrm>
-            <a:off x="9945216" y="220916"/>
+            <a:off x="10032000" y="220916"/>
             <a:ext cx="360000" cy="360000"/>
           </a:xfrm>
           <a:prstGeom prst="rect">
@@ -13632,7 +13632,7 @@
         </p:nvSpPr>
         <p:spPr>
           <a:xfrm>
-            <a:off x="9945216" y="580916"/>
+            <a:off x="10032000" y="580916"/>
             <a:ext cx="360000" cy="360000"/>
           </a:xfrm>
           <a:prstGeom prst="rect">
@@ -13680,7 +13680,7 @@
         </p:nvSpPr>
         <p:spPr>
           <a:xfrm>
-            <a:off x="9945216" y="940916"/>
+            <a:off x="10032000" y="940916"/>
             <a:ext cx="360000" cy="360000"/>
           </a:xfrm>
           <a:prstGeom prst="rect">
@@ -13731,7 +13731,7 @@
         </p:nvSpPr>
         <p:spPr>
           <a:xfrm>
-            <a:off x="9945216" y="1300916"/>
+            <a:off x="10032000" y="1300916"/>
             <a:ext cx="360000" cy="360000"/>
           </a:xfrm>
           <a:prstGeom prst="rect">
@@ -13779,7 +13779,7 @@
         </p:nvSpPr>
         <p:spPr>
           <a:xfrm>
-            <a:off x="9945216" y="1660916"/>
+            <a:off x="10032000" y="1660916"/>
             <a:ext cx="360000" cy="360000"/>
           </a:xfrm>
           <a:prstGeom prst="rect">
@@ -13830,7 +13830,7 @@
         </p:nvSpPr>
         <p:spPr>
           <a:xfrm>
-            <a:off x="9945216" y="2020916"/>
+            <a:off x="10032000" y="2020916"/>
             <a:ext cx="360000" cy="360000"/>
           </a:xfrm>
           <a:prstGeom prst="rect">
@@ -13878,7 +13878,7 @@
         </p:nvSpPr>
         <p:spPr>
           <a:xfrm>
-            <a:off x="9945216" y="2380916"/>
+            <a:off x="10032000" y="2380916"/>
             <a:ext cx="360000" cy="360000"/>
           </a:xfrm>
           <a:prstGeom prst="rect">
@@ -13929,7 +13929,7 @@
         </p:nvSpPr>
         <p:spPr>
           <a:xfrm>
-            <a:off x="9945216" y="2740916"/>
+            <a:off x="10032000" y="2740916"/>
             <a:ext cx="360000" cy="360000"/>
           </a:xfrm>
           <a:prstGeom prst="rect">
@@ -13977,7 +13977,7 @@
         </p:nvSpPr>
         <p:spPr>
           <a:xfrm>
-            <a:off x="10305216" y="580916"/>
+            <a:off x="10392000" y="580916"/>
             <a:ext cx="360000" cy="360000"/>
           </a:xfrm>
           <a:prstGeom prst="rect">
@@ -14028,7 +14028,7 @@
         </p:nvSpPr>
         <p:spPr>
           <a:xfrm>
-            <a:off x="10305216" y="940916"/>
+            <a:off x="10392000" y="940916"/>
             <a:ext cx="360000" cy="360000"/>
           </a:xfrm>
           <a:prstGeom prst="rect">
@@ -14076,7 +14076,7 @@
         </p:nvSpPr>
         <p:spPr>
           <a:xfrm>
-            <a:off x="10305216" y="1300916"/>
+            <a:off x="10392000" y="1300916"/>
             <a:ext cx="360000" cy="360000"/>
           </a:xfrm>
           <a:prstGeom prst="rect">
@@ -14127,7 +14127,7 @@
         </p:nvSpPr>
         <p:spPr>
           <a:xfrm>
-            <a:off x="10305216" y="1660916"/>
+            <a:off x="10392000" y="1660916"/>
             <a:ext cx="360000" cy="360000"/>
           </a:xfrm>
           <a:prstGeom prst="rect">
@@ -14175,7 +14175,7 @@
         </p:nvSpPr>
         <p:spPr>
           <a:xfrm>
-            <a:off x="10305216" y="2020916"/>
+            <a:off x="10392000" y="2020916"/>
             <a:ext cx="360000" cy="360000"/>
           </a:xfrm>
           <a:prstGeom prst="rect">
@@ -14226,7 +14226,7 @@
         </p:nvSpPr>
         <p:spPr>
           <a:xfrm>
-            <a:off x="10305216" y="2380916"/>
+            <a:off x="10392000" y="2380916"/>
             <a:ext cx="360000" cy="360000"/>
           </a:xfrm>
           <a:prstGeom prst="rect">
@@ -14276,7 +14276,7 @@
         </p:nvSpPr>
         <p:spPr>
           <a:xfrm>
-            <a:off x="10305216" y="2740916"/>
+            <a:off x="10392000" y="2740916"/>
             <a:ext cx="360000" cy="360000"/>
           </a:xfrm>
           <a:prstGeom prst="rect">
@@ -14327,7 +14327,7 @@
         </p:nvSpPr>
         <p:spPr>
           <a:xfrm>
-            <a:off x="10305216" y="220916"/>
+            <a:off x="10392000" y="220916"/>
             <a:ext cx="360000" cy="360000"/>
           </a:xfrm>
           <a:prstGeom prst="rect">
@@ -14375,7 +14375,7 @@
         </p:nvSpPr>
         <p:spPr>
           <a:xfrm>
-            <a:off x="10665216" y="220916"/>
+            <a:off x="10752000" y="220916"/>
             <a:ext cx="360000" cy="360000"/>
           </a:xfrm>
           <a:prstGeom prst="rect">
@@ -14426,7 +14426,7 @@
         </p:nvSpPr>
         <p:spPr>
           <a:xfrm>
-            <a:off x="10665216" y="580916"/>
+            <a:off x="10752000" y="580916"/>
             <a:ext cx="360000" cy="360000"/>
           </a:xfrm>
           <a:prstGeom prst="rect">
@@ -14474,7 +14474,7 @@
         </p:nvSpPr>
         <p:spPr>
           <a:xfrm>
-            <a:off x="10665216" y="940916"/>
+            <a:off x="10752000" y="940916"/>
             <a:ext cx="360000" cy="360000"/>
           </a:xfrm>
           <a:prstGeom prst="rect">
@@ -14525,7 +14525,7 @@
         </p:nvSpPr>
         <p:spPr>
           <a:xfrm>
-            <a:off x="10665216" y="1300916"/>
+            <a:off x="10752000" y="1300916"/>
             <a:ext cx="360000" cy="360000"/>
           </a:xfrm>
           <a:prstGeom prst="rect">
@@ -14573,7 +14573,7 @@
         </p:nvSpPr>
         <p:spPr>
           <a:xfrm>
-            <a:off x="10665216" y="1660916"/>
+            <a:off x="10752000" y="1660916"/>
             <a:ext cx="360000" cy="360000"/>
           </a:xfrm>
           <a:prstGeom prst="rect">
@@ -14624,7 +14624,7 @@
         </p:nvSpPr>
         <p:spPr>
           <a:xfrm>
-            <a:off x="10665216" y="2020916"/>
+            <a:off x="10752000" y="2020916"/>
             <a:ext cx="360000" cy="360000"/>
           </a:xfrm>
           <a:prstGeom prst="rect">
@@ -14674,7 +14674,7 @@
         </p:nvSpPr>
         <p:spPr>
           <a:xfrm>
-            <a:off x="10665216" y="2380916"/>
+            <a:off x="10752000" y="2380916"/>
             <a:ext cx="360000" cy="360000"/>
           </a:xfrm>
           <a:prstGeom prst="rect">
@@ -14725,7 +14725,7 @@
         </p:nvSpPr>
         <p:spPr>
           <a:xfrm>
-            <a:off x="10665216" y="2740916"/>
+            <a:off x="10752000" y="2740916"/>
             <a:ext cx="360000" cy="360000"/>
           </a:xfrm>
           <a:prstGeom prst="rect">
@@ -14775,7 +14775,7 @@
         </p:nvSpPr>
         <p:spPr>
           <a:xfrm>
-            <a:off x="11025216" y="580916"/>
+            <a:off x="11112000" y="580916"/>
             <a:ext cx="360000" cy="360000"/>
           </a:xfrm>
           <a:prstGeom prst="rect">
@@ -14826,7 +14826,7 @@
         </p:nvSpPr>
         <p:spPr>
           <a:xfrm>
-            <a:off x="11025216" y="940916"/>
+            <a:off x="11112000" y="940916"/>
             <a:ext cx="360000" cy="360000"/>
           </a:xfrm>
           <a:prstGeom prst="rect">
@@ -14874,7 +14874,7 @@
         </p:nvSpPr>
         <p:spPr>
           <a:xfrm>
-            <a:off x="11025216" y="1300916"/>
+            <a:off x="11112000" y="1300916"/>
             <a:ext cx="360000" cy="360000"/>
           </a:xfrm>
           <a:prstGeom prst="rect">
@@ -14925,7 +14925,7 @@
         </p:nvSpPr>
         <p:spPr>
           <a:xfrm>
-            <a:off x="11025216" y="1660916"/>
+            <a:off x="11112000" y="1660916"/>
             <a:ext cx="360000" cy="360000"/>
           </a:xfrm>
           <a:prstGeom prst="rect">
@@ -14973,7 +14973,7 @@
         </p:nvSpPr>
         <p:spPr>
           <a:xfrm>
-            <a:off x="11025216" y="2020916"/>
+            <a:off x="11112000" y="2020916"/>
             <a:ext cx="360000" cy="360000"/>
           </a:xfrm>
           <a:prstGeom prst="rect">
@@ -15024,7 +15024,7 @@
         </p:nvSpPr>
         <p:spPr>
           <a:xfrm>
-            <a:off x="11025216" y="2380916"/>
+            <a:off x="11112000" y="2380916"/>
             <a:ext cx="360000" cy="360000"/>
           </a:xfrm>
           <a:prstGeom prst="rect">
@@ -15072,7 +15072,7 @@
         </p:nvSpPr>
         <p:spPr>
           <a:xfrm>
-            <a:off x="11025216" y="2740916"/>
+            <a:off x="11112000" y="2740916"/>
             <a:ext cx="360000" cy="360000"/>
           </a:xfrm>
           <a:prstGeom prst="rect">
@@ -15123,7 +15123,7 @@
         </p:nvSpPr>
         <p:spPr>
           <a:xfrm>
-            <a:off x="11025216" y="220916"/>
+            <a:off x="11112000" y="220916"/>
             <a:ext cx="360000" cy="360000"/>
           </a:xfrm>
           <a:prstGeom prst="rect">
@@ -15171,7 +15171,7 @@
         </p:nvSpPr>
         <p:spPr>
           <a:xfrm>
-            <a:off x="11385216" y="220916"/>
+            <a:off x="11472000" y="220916"/>
             <a:ext cx="360000" cy="360000"/>
           </a:xfrm>
           <a:prstGeom prst="rect">
@@ -15222,7 +15222,7 @@
         </p:nvSpPr>
         <p:spPr>
           <a:xfrm>
-            <a:off x="11385216" y="580916"/>
+            <a:off x="11472000" y="580916"/>
             <a:ext cx="360000" cy="360000"/>
           </a:xfrm>
           <a:prstGeom prst="rect">
@@ -15270,7 +15270,7 @@
         </p:nvSpPr>
         <p:spPr>
           <a:xfrm>
-            <a:off x="11385216" y="940916"/>
+            <a:off x="11472000" y="940916"/>
             <a:ext cx="360000" cy="360000"/>
           </a:xfrm>
           <a:prstGeom prst="rect">
@@ -15321,7 +15321,7 @@
         </p:nvSpPr>
         <p:spPr>
           <a:xfrm>
-            <a:off x="11385216" y="1300916"/>
+            <a:off x="11472000" y="1300916"/>
             <a:ext cx="360000" cy="360000"/>
           </a:xfrm>
           <a:prstGeom prst="rect">
@@ -15369,7 +15369,7 @@
         </p:nvSpPr>
         <p:spPr>
           <a:xfrm>
-            <a:off x="11385216" y="1660916"/>
+            <a:off x="11472000" y="1660916"/>
             <a:ext cx="360000" cy="360000"/>
           </a:xfrm>
           <a:prstGeom prst="rect">
@@ -15420,7 +15420,7 @@
         </p:nvSpPr>
         <p:spPr>
           <a:xfrm>
-            <a:off x="11385216" y="2020916"/>
+            <a:off x="11472000" y="2020916"/>
             <a:ext cx="360000" cy="360000"/>
           </a:xfrm>
           <a:prstGeom prst="rect">
@@ -15468,7 +15468,7 @@
         </p:nvSpPr>
         <p:spPr>
           <a:xfrm>
-            <a:off x="11385216" y="2380916"/>
+            <a:off x="11472000" y="2380916"/>
             <a:ext cx="360000" cy="360000"/>
           </a:xfrm>
           <a:prstGeom prst="rect">
@@ -15519,7 +15519,7 @@
         </p:nvSpPr>
         <p:spPr>
           <a:xfrm>
-            <a:off x="11385216" y="2740916"/>
+            <a:off x="11472000" y="2740916"/>
             <a:ext cx="360000" cy="360000"/>
           </a:xfrm>
           <a:prstGeom prst="rect">
@@ -15567,7 +15567,7 @@
         </p:nvSpPr>
         <p:spPr>
           <a:xfrm>
-            <a:off x="11745216" y="580916"/>
+            <a:off x="11832000" y="580916"/>
             <a:ext cx="360000" cy="360000"/>
           </a:xfrm>
           <a:prstGeom prst="rect">
@@ -15618,7 +15618,7 @@
         </p:nvSpPr>
         <p:spPr>
           <a:xfrm>
-            <a:off x="11745216" y="940916"/>
+            <a:off x="11832000" y="940916"/>
             <a:ext cx="360000" cy="360000"/>
           </a:xfrm>
           <a:prstGeom prst="rect">
@@ -15666,7 +15666,7 @@
         </p:nvSpPr>
         <p:spPr>
           <a:xfrm>
-            <a:off x="11745216" y="1300916"/>
+            <a:off x="11832000" y="1300916"/>
             <a:ext cx="360000" cy="360000"/>
           </a:xfrm>
           <a:prstGeom prst="rect">
@@ -15717,7 +15717,7 @@
         </p:nvSpPr>
         <p:spPr>
           <a:xfrm>
-            <a:off x="11745216" y="1660916"/>
+            <a:off x="11832000" y="1660916"/>
             <a:ext cx="360000" cy="360000"/>
           </a:xfrm>
           <a:prstGeom prst="rect">
@@ -15765,7 +15765,7 @@
         </p:nvSpPr>
         <p:spPr>
           <a:xfrm>
-            <a:off x="11745216" y="2020916"/>
+            <a:off x="11832000" y="2020916"/>
             <a:ext cx="360000" cy="360000"/>
           </a:xfrm>
           <a:prstGeom prst="rect">
@@ -15816,7 +15816,7 @@
         </p:nvSpPr>
         <p:spPr>
           <a:xfrm>
-            <a:off x="11745216" y="2380916"/>
+            <a:off x="11832000" y="2380916"/>
             <a:ext cx="360000" cy="360000"/>
           </a:xfrm>
           <a:prstGeom prst="rect">
@@ -15864,7 +15864,7 @@
         </p:nvSpPr>
         <p:spPr>
           <a:xfrm>
-            <a:off x="11745216" y="2740916"/>
+            <a:off x="11832000" y="2740916"/>
             <a:ext cx="360000" cy="360000"/>
           </a:xfrm>
           <a:prstGeom prst="rect">
@@ -15915,7 +15915,7 @@
         </p:nvSpPr>
         <p:spPr>
           <a:xfrm>
-            <a:off x="11745216" y="220916"/>
+            <a:off x="11832000" y="220916"/>
             <a:ext cx="360000" cy="360000"/>
           </a:xfrm>
           <a:prstGeom prst="rect">
@@ -15960,7 +15960,7 @@
           <p:cNvPr id="476" name="左中かっこ 475">
             <a:extLst>
               <a:ext uri="{FF2B5EF4-FFF2-40B4-BE49-F238E27FC236}">
-                <a16:creationId xmlns="" xmlns:a16="http://schemas.microsoft.com/office/drawing/2014/main" id="{7484E61E-C510-4FF0-978A-471330A22C3C}"/>
+                <a16:creationId xmlns:a16="http://schemas.microsoft.com/office/drawing/2014/main" xmlns="" id="{7484E61E-C510-4FF0-978A-471330A22C3C}"/>
               </a:ext>
             </a:extLst>
           </p:cNvPr>
@@ -15969,7 +15969,7 @@
         </p:nvSpPr>
         <p:spPr>
           <a:xfrm>
-            <a:off x="434118" y="220921"/>
+            <a:off x="520902" y="220921"/>
             <a:ext cx="151098" cy="2879999"/>
           </a:xfrm>
           <a:prstGeom prst="leftBrace">
@@ -16012,14 +16012,14 @@
           </a:p>
         </p:txBody>
       </p:sp>
-      <mc:AlternateContent xmlns:mc="http://schemas.openxmlformats.org/markup-compatibility/2006" xmlns:a14="http://schemas.microsoft.com/office/drawing/2010/main">
-        <mc:Choice Requires="a14">
+      <mc:AlternateContent xmlns:mc="http://schemas.openxmlformats.org/markup-compatibility/2006">
+        <mc:Choice xmlns:a14="http://schemas.microsoft.com/office/drawing/2010/main" Requires="a14">
           <p:sp>
             <p:nvSpPr>
               <p:cNvPr id="477" name="テキスト ボックス 476">
                 <a:extLst>
                   <a:ext uri="{FF2B5EF4-FFF2-40B4-BE49-F238E27FC236}">
-                    <a16:creationId xmlns="" xmlns:a16="http://schemas.microsoft.com/office/drawing/2014/main" id="{6DAFFFD6-997E-4295-8337-371E646493AD}"/>
+                    <a16:creationId xmlns:a16="http://schemas.microsoft.com/office/drawing/2014/main" xmlns="" id="{6DAFFFD6-997E-4295-8337-371E646493AD}"/>
                   </a:ext>
                 </a:extLst>
               </p:cNvPr>
@@ -16028,8 +16028,8 @@
             </p:nvSpPr>
             <p:spPr>
               <a:xfrm>
-                <a:off x="-28902" y="1399305"/>
-                <a:ext cx="434118" cy="523220"/>
+                <a:off x="-75549" y="1300916"/>
+                <a:ext cx="434118" cy="707886"/>
               </a:xfrm>
               <a:prstGeom prst="rect">
                 <a:avLst/>
@@ -16050,13 +16050,13 @@
                     </m:oMathParaPr>
                     <m:oMath xmlns:m="http://schemas.openxmlformats.org/officeDocument/2006/math">
                       <m:r>
-                        <a:rPr lang="en-US" altLang="ja-JP" sz="2800" i="1">
+                        <a:rPr lang="en-US" altLang="ja-JP" sz="4000" i="1">
                           <a:latin typeface="Cambria Math" panose="02040503050406030204" pitchFamily="18" charset="0"/>
                         </a:rPr>
                         <m:t>2</m:t>
                       </m:r>
                       <m:r>
-                        <a:rPr lang="en-US" altLang="ja-JP" sz="2800" i="1">
+                        <a:rPr lang="en-US" altLang="ja-JP" sz="4000" i="1">
                           <a:latin typeface="Cambria Math" panose="02040503050406030204" pitchFamily="18" charset="0"/>
                         </a:rPr>
                         <m:t>𝑡</m:t>
@@ -16064,18 +16064,18 @@
                     </m:oMath>
                   </m:oMathPara>
                 </a14:m>
-                <a:endParaRPr lang="en-US" altLang="ja-JP" sz="2800" dirty="0"/>
+                <a:endParaRPr lang="en-US" altLang="ja-JP" sz="4000" dirty="0"/>
               </a:p>
             </p:txBody>
           </p:sp>
         </mc:Choice>
-        <mc:Fallback xmlns="">
+        <mc:Fallback>
           <p:sp>
             <p:nvSpPr>
               <p:cNvPr id="477" name="テキスト ボックス 476">
                 <a:extLst>
                   <a:ext uri="{FF2B5EF4-FFF2-40B4-BE49-F238E27FC236}">
-                    <a16:creationId xmlns="" xmlns:a16="http://schemas.microsoft.com/office/drawing/2014/main" xmlns:a14="http://schemas.microsoft.com/office/drawing/2010/main" id="{6DAFFFD6-997E-4295-8337-371E646493AD}"/>
+                    <a16:creationId xmlns:a16="http://schemas.microsoft.com/office/drawing/2014/main" xmlns="" xmlns:a14="http://schemas.microsoft.com/office/drawing/2010/main" id="{6DAFFFD6-997E-4295-8337-371E646493AD}"/>
                   </a:ext>
                 </a:extLst>
               </p:cNvPr>
@@ -16086,8 +16086,8 @@
             </p:nvSpPr>
             <p:spPr>
               <a:xfrm>
-                <a:off x="-28902" y="2848693"/>
-                <a:ext cx="434118" cy="523220"/>
+                <a:off x="-75549" y="1300916"/>
+                <a:ext cx="434118" cy="707886"/>
               </a:xfrm>
               <a:prstGeom prst="rect">
                 <a:avLst/>
@@ -16095,7 +16095,7 @@
               <a:blipFill rotWithShape="0">
                 <a:blip r:embed="rId2"/>
                 <a:stretch>
-                  <a:fillRect/>
+                  <a:fillRect r="-30986"/>
                 </a:stretch>
               </a:blipFill>
             </p:spPr>
@@ -16122,7 +16122,7 @@
         </p:nvSpPr>
         <p:spPr>
           <a:xfrm rot="16200000">
-            <a:off x="6203295" y="-2517164"/>
+            <a:off x="6290079" y="-2517164"/>
             <a:ext cx="283842" cy="11520000"/>
           </a:xfrm>
           <a:prstGeom prst="leftBrace">
@@ -16165,14 +16165,14 @@
           </a:p>
         </p:txBody>
       </p:sp>
-      <mc:AlternateContent xmlns:mc="http://schemas.openxmlformats.org/markup-compatibility/2006" xmlns:a14="http://schemas.microsoft.com/office/drawing/2010/main">
-        <mc:Choice Requires="a14">
+      <mc:AlternateContent xmlns:mc="http://schemas.openxmlformats.org/markup-compatibility/2006">
+        <mc:Choice xmlns:a14="http://schemas.microsoft.com/office/drawing/2010/main" Requires="a14">
           <p:sp>
             <p:nvSpPr>
               <p:cNvPr id="479" name="テキスト ボックス 478">
                 <a:extLst>
                   <a:ext uri="{FF2B5EF4-FFF2-40B4-BE49-F238E27FC236}">
-                    <a16:creationId xmlns="" xmlns:a16="http://schemas.microsoft.com/office/drawing/2014/main" id="{07010F26-716B-423D-9E77-19B5E202747E}"/>
+                    <a16:creationId xmlns:a16="http://schemas.microsoft.com/office/drawing/2014/main" xmlns="" id="{07010F26-716B-423D-9E77-19B5E202747E}"/>
                   </a:ext>
                 </a:extLst>
               </p:cNvPr>
@@ -16181,8 +16181,8 @@
             </p:nvSpPr>
             <p:spPr>
               <a:xfrm>
-                <a:off x="4545221" y="3483145"/>
-                <a:ext cx="2898855" cy="523220"/>
+                <a:off x="4725216" y="3384757"/>
+                <a:ext cx="3355195" cy="646331"/>
               </a:xfrm>
               <a:prstGeom prst="rect">
                 <a:avLst/>
@@ -16203,13 +16203,13 @@
                     </m:oMathParaPr>
                     <m:oMath xmlns:m="http://schemas.openxmlformats.org/officeDocument/2006/math">
                       <m:r>
-                        <a:rPr lang="en-US" altLang="ja-JP" sz="2800" b="0" i="1" dirty="0" smtClean="0">
+                        <a:rPr lang="en-US" altLang="ja-JP" sz="3600" b="0" i="1" dirty="0" smtClean="0">
                           <a:latin typeface="Cambria Math" panose="02040503050406030204" pitchFamily="18" charset="0"/>
                         </a:rPr>
                         <m:t>4</m:t>
                       </m:r>
                       <m:r>
-                        <a:rPr lang="en-US" altLang="ja-JP" sz="2800" i="1" dirty="0">
+                        <a:rPr lang="en-US" altLang="ja-JP" sz="3600" i="1" dirty="0">
                           <a:latin typeface="Cambria Math" panose="02040503050406030204" pitchFamily="18" charset="0"/>
                         </a:rPr>
                         <m:t>𝑠</m:t>
@@ -16217,14 +16217,14 @@
                       <m:sSup>
                         <m:sSupPr>
                           <m:ctrlPr>
-                            <a:rPr lang="en-US" altLang="ja-JP" sz="2800" b="0" i="1" dirty="0" smtClean="0">
+                            <a:rPr lang="en-US" altLang="ja-JP" sz="3600" b="0" i="1" dirty="0" smtClean="0">
                               <a:latin typeface="Cambria Math" panose="02040503050406030204" pitchFamily="18" charset="0"/>
                             </a:rPr>
                           </m:ctrlPr>
                         </m:sSupPr>
                         <m:e>
                           <m:r>
-                            <a:rPr lang="en-US" altLang="ja-JP" sz="2800" i="1" dirty="0">
+                            <a:rPr lang="en-US" altLang="ja-JP" sz="3600" i="1" dirty="0">
                               <a:latin typeface="Cambria Math" panose="02040503050406030204" pitchFamily="18" charset="0"/>
                             </a:rPr>
                             <m:t>𝑡</m:t>
@@ -16232,7 +16232,7 @@
                         </m:e>
                         <m:sup>
                           <m:r>
-                            <a:rPr lang="en-US" altLang="ja-JP" sz="2800" b="0" i="1" dirty="0" smtClean="0">
+                            <a:rPr lang="en-US" altLang="ja-JP" sz="3600" b="0" i="1" dirty="0" smtClean="0">
                               <a:latin typeface="Cambria Math" panose="02040503050406030204" pitchFamily="18" charset="0"/>
                             </a:rPr>
                             <m:t>2</m:t>
@@ -16240,13 +16240,13 @@
                         </m:sup>
                       </m:sSup>
                       <m:r>
-                        <a:rPr lang="en-US" altLang="ja-JP" sz="2800" i="1" dirty="0">
+                        <a:rPr lang="en-US" altLang="ja-JP" sz="3600" i="1" dirty="0">
                           <a:latin typeface="Cambria Math" panose="02040503050406030204" pitchFamily="18" charset="0"/>
                         </a:rPr>
                         <m:t>+</m:t>
                       </m:r>
                       <m:r>
-                        <a:rPr lang="en-US" altLang="ja-JP" sz="2800" b="0" i="1" dirty="0" smtClean="0">
+                        <a:rPr lang="en-US" altLang="ja-JP" sz="3600" b="0" i="1" dirty="0" smtClean="0">
                           <a:latin typeface="Cambria Math" panose="02040503050406030204" pitchFamily="18" charset="0"/>
                         </a:rPr>
                         <m:t>8</m:t>
@@ -16254,14 +16254,14 @@
                       <m:sSup>
                         <m:sSupPr>
                           <m:ctrlPr>
-                            <a:rPr lang="en-US" altLang="ja-JP" sz="2800" b="0" i="1" dirty="0" smtClean="0">
+                            <a:rPr lang="en-US" altLang="ja-JP" sz="3600" b="0" i="1" dirty="0" smtClean="0">
                               <a:latin typeface="Cambria Math" panose="02040503050406030204" pitchFamily="18" charset="0"/>
                             </a:rPr>
                           </m:ctrlPr>
                         </m:sSupPr>
                         <m:e>
                           <m:r>
-                            <a:rPr lang="en-US" altLang="ja-JP" sz="2800" b="0" i="1" dirty="0" smtClean="0">
+                            <a:rPr lang="en-US" altLang="ja-JP" sz="3600" b="0" i="1" dirty="0" smtClean="0">
                               <a:latin typeface="Cambria Math" panose="02040503050406030204" pitchFamily="18" charset="0"/>
                             </a:rPr>
                             <m:t>𝑡</m:t>
@@ -16269,7 +16269,7 @@
                         </m:e>
                         <m:sup>
                           <m:r>
-                            <a:rPr lang="en-US" altLang="ja-JP" sz="2800" b="0" i="1" dirty="0" smtClean="0">
+                            <a:rPr lang="en-US" altLang="ja-JP" sz="3600" b="0" i="1" dirty="0" smtClean="0">
                               <a:latin typeface="Cambria Math" panose="02040503050406030204" pitchFamily="18" charset="0"/>
                             </a:rPr>
                             <m:t>2</m:t>
@@ -16277,19 +16277,19 @@
                         </m:sup>
                       </m:sSup>
                       <m:r>
-                        <a:rPr lang="en-US" altLang="ja-JP" sz="2800" dirty="0">
+                        <a:rPr lang="en-US" altLang="ja-JP" sz="3600" dirty="0">
                           <a:latin typeface="Cambria Math" panose="02040503050406030204" pitchFamily="18" charset="0"/>
                         </a:rPr>
                         <m:t>−</m:t>
                       </m:r>
                       <m:r>
-                        <a:rPr lang="en-US" altLang="ja-JP" sz="2800" b="0" i="1" dirty="0" smtClean="0">
+                        <a:rPr lang="en-US" altLang="ja-JP" sz="3600" b="0" i="1" dirty="0" smtClean="0">
                           <a:latin typeface="Cambria Math" panose="02040503050406030204" pitchFamily="18" charset="0"/>
                         </a:rPr>
                         <m:t>4</m:t>
                       </m:r>
                       <m:r>
-                        <a:rPr lang="en-US" altLang="ja-JP" sz="2800" b="0" i="1" dirty="0" smtClean="0">
+                        <a:rPr lang="en-US" altLang="ja-JP" sz="3600" b="0" i="1" dirty="0" smtClean="0">
                           <a:latin typeface="Cambria Math" panose="02040503050406030204" pitchFamily="18" charset="0"/>
                         </a:rPr>
                         <m:t>𝑡</m:t>
@@ -16302,7 +16302,7 @@
             </p:txBody>
           </p:sp>
         </mc:Choice>
-        <mc:Fallback xmlns="">
+        <mc:Fallback>
           <p:sp>
             <p:nvSpPr>
               <p:cNvPr id="479" name="テキスト ボックス 478">
@@ -16319,8 +16319,8 @@
             </p:nvSpPr>
             <p:spPr>
               <a:xfrm>
-                <a:off x="4545221" y="3483145"/>
-                <a:ext cx="2898855" cy="523220"/>
+                <a:off x="4725216" y="3384757"/>
+                <a:ext cx="3355195" cy="646331"/>
               </a:xfrm>
               <a:prstGeom prst="rect">
                 <a:avLst/>
